--- a/TURING_APRESENTACAO.pptx
+++ b/TURING_APRESENTACAO.pptx
@@ -113,6 +113,11 @@
       </a:defRPr>
     </a:lvl9pPr>
   </p:defaultTextStyle>
+  <p:extLst>
+    <p:ext uri="{EFAFB233-063F-42B5-8137-9DF3F51BA10A}">
+      <p15:sldGuideLst xmlns:p15="http://schemas.microsoft.com/office/powerpoint/2012/main"/>
+    </p:ext>
+  </p:extLst>
 </p:presentation>
 </file>
 
@@ -286,7 +291,7 @@
             <a:fld id="{87DE6118-2437-4B30-8E3C-4D2BE6020583}" type="datetimeFigureOut">
               <a:rPr lang="en-US" dirty="0"/>
               <a:pPr/>
-              <a:t>3/8/2021</a:t>
+              <a:t>3/9/2021</a:t>
             </a:fld>
             <a:endParaRPr lang="en-US" dirty="0"/>
           </a:p>
@@ -612,7 +617,7 @@
           <a:p>
             <a:fld id="{87DE6118-2437-4B30-8E3C-4D2BE6020583}" type="datetimeFigureOut">
               <a:rPr lang="en-US" dirty="0"/>
-              <a:t>3/8/2021</a:t>
+              <a:t>3/9/2021</a:t>
             </a:fld>
             <a:endParaRPr lang="en-US" dirty="0"/>
           </a:p>
@@ -787,7 +792,7 @@
           <a:p>
             <a:fld id="{87DE6118-2437-4B30-8E3C-4D2BE6020583}" type="datetimeFigureOut">
               <a:rPr lang="en-US" dirty="0"/>
-              <a:t>3/8/2021</a:t>
+              <a:t>3/9/2021</a:t>
             </a:fld>
             <a:endParaRPr lang="en-US" dirty="0"/>
           </a:p>
@@ -952,7 +957,7 @@
           <a:p>
             <a:fld id="{87DE6118-2437-4B30-8E3C-4D2BE6020583}" type="datetimeFigureOut">
               <a:rPr lang="en-US" dirty="0"/>
-              <a:t>3/8/2021</a:t>
+              <a:t>3/9/2021</a:t>
             </a:fld>
             <a:endParaRPr lang="en-US" dirty="0"/>
           </a:p>
@@ -1225,7 +1230,7 @@
             <a:fld id="{87DE6118-2437-4B30-8E3C-4D2BE6020583}" type="datetimeFigureOut">
               <a:rPr lang="en-US" dirty="0"/>
               <a:pPr/>
-              <a:t>3/8/2021</a:t>
+              <a:t>3/9/2021</a:t>
             </a:fld>
             <a:endParaRPr lang="en-US" dirty="0"/>
           </a:p>
@@ -1615,7 +1620,7 @@
           <a:p>
             <a:fld id="{87DE6118-2437-4B30-8E3C-4D2BE6020583}" type="datetimeFigureOut">
               <a:rPr lang="en-US" dirty="0"/>
-              <a:t>3/8/2021</a:t>
+              <a:t>3/9/2021</a:t>
             </a:fld>
             <a:endParaRPr lang="en-US" dirty="0"/>
           </a:p>
@@ -2087,7 +2092,7 @@
           <a:p>
             <a:fld id="{87DE6118-2437-4B30-8E3C-4D2BE6020583}" type="datetimeFigureOut">
               <a:rPr lang="en-US" dirty="0"/>
-              <a:t>3/8/2021</a:t>
+              <a:t>3/9/2021</a:t>
             </a:fld>
             <a:endParaRPr lang="en-US" dirty="0"/>
           </a:p>
@@ -2200,7 +2205,7 @@
           <a:p>
             <a:fld id="{87DE6118-2437-4B30-8E3C-4D2BE6020583}" type="datetimeFigureOut">
               <a:rPr lang="en-US" dirty="0"/>
-              <a:t>3/8/2021</a:t>
+              <a:t>3/9/2021</a:t>
             </a:fld>
             <a:endParaRPr lang="en-US" dirty="0"/>
           </a:p>
@@ -2290,7 +2295,7 @@
           <a:p>
             <a:fld id="{87DE6118-2437-4B30-8E3C-4D2BE6020583}" type="datetimeFigureOut">
               <a:rPr lang="en-US" dirty="0"/>
-              <a:t>3/8/2021</a:t>
+              <a:t>3/9/2021</a:t>
             </a:fld>
             <a:endParaRPr lang="en-US" dirty="0"/>
           </a:p>
@@ -2632,7 +2637,7 @@
             <a:fld id="{87DE6118-2437-4B30-8E3C-4D2BE6020583}" type="datetimeFigureOut">
               <a:rPr lang="en-US" dirty="0"/>
               <a:pPr/>
-              <a:t>3/8/2021</a:t>
+              <a:t>3/9/2021</a:t>
             </a:fld>
             <a:endParaRPr lang="en-US" dirty="0"/>
           </a:p>
@@ -3017,7 +3022,7 @@
             <a:fld id="{87DE6118-2437-4B30-8E3C-4D2BE6020583}" type="datetimeFigureOut">
               <a:rPr lang="en-US" dirty="0"/>
               <a:pPr/>
-              <a:t>3/8/2021</a:t>
+              <a:t>3/9/2021</a:t>
             </a:fld>
             <a:endParaRPr lang="en-US" dirty="0"/>
           </a:p>
@@ -3292,7 +3297,7 @@
             <a:fld id="{87DE6118-2437-4B30-8E3C-4D2BE6020583}" type="datetimeFigureOut">
               <a:rPr lang="en-US" dirty="0"/>
               <a:pPr/>
-              <a:t>3/8/2021</a:t>
+              <a:t>3/9/2021</a:t>
             </a:fld>
             <a:endParaRPr lang="en-US" dirty="0"/>
           </a:p>
@@ -3910,7 +3915,54 @@
           <a:bodyPr/>
           <a:lstStyle/>
           <a:p>
-            <a:endParaRPr lang="pt-BR"/>
+            <a:r>
+              <a:rPr lang="pt-BR" dirty="0" smtClean="0"/>
+              <a:t>Gama </a:t>
+            </a:r>
+            <a:r>
+              <a:rPr lang="pt-BR" dirty="0" err="1" smtClean="0"/>
+              <a:t>Academu</a:t>
+            </a:r>
+            <a:endParaRPr lang="pt-BR" dirty="0" smtClean="0"/>
+          </a:p>
+          <a:p>
+            <a:r>
+              <a:rPr lang="pt-BR" dirty="0" smtClean="0"/>
+              <a:t>Accenture</a:t>
+            </a:r>
+          </a:p>
+          <a:p>
+            <a:r>
+              <a:rPr lang="pt-BR" dirty="0" smtClean="0"/>
+              <a:t>Professor Java</a:t>
+            </a:r>
+          </a:p>
+          <a:p>
+            <a:r>
+              <a:rPr lang="pt-BR" dirty="0" smtClean="0"/>
+              <a:t>Professor Node</a:t>
+            </a:r>
+          </a:p>
+          <a:p>
+            <a:r>
+              <a:rPr lang="pt-BR" dirty="0" smtClean="0"/>
+              <a:t>Bruce</a:t>
+            </a:r>
+          </a:p>
+          <a:p>
+            <a:r>
+              <a:rPr lang="pt-BR" dirty="0" smtClean="0"/>
+              <a:t>Camila</a:t>
+            </a:r>
+          </a:p>
+          <a:p>
+            <a:r>
+              <a:rPr lang="pt-BR" dirty="0" smtClean="0"/>
+              <a:t>Café</a:t>
+            </a:r>
+          </a:p>
+          <a:p>
+            <a:endParaRPr lang="pt-BR" dirty="0"/>
           </a:p>
         </p:txBody>
       </p:sp>

--- a/TURING_APRESENTACAO.pptx
+++ b/TURING_APRESENTACAO.pptx
@@ -10,11 +10,12 @@
     <p:sldId id="258" r:id="rId4"/>
     <p:sldId id="262" r:id="rId5"/>
     <p:sldId id="259" r:id="rId6"/>
-    <p:sldId id="263" r:id="rId7"/>
-    <p:sldId id="264" r:id="rId8"/>
-    <p:sldId id="265" r:id="rId9"/>
-    <p:sldId id="261" r:id="rId10"/>
-    <p:sldId id="260" r:id="rId11"/>
+    <p:sldId id="266" r:id="rId7"/>
+    <p:sldId id="263" r:id="rId8"/>
+    <p:sldId id="267" r:id="rId9"/>
+    <p:sldId id="264" r:id="rId10"/>
+    <p:sldId id="268" r:id="rId11"/>
+    <p:sldId id="260" r:id="rId12"/>
   </p:sldIdLst>
   <p:sldSz cx="12192000" cy="6858000"/>
   <p:notesSz cx="6858000" cy="9144000"/>
@@ -291,7 +292,7 @@
             <a:fld id="{87DE6118-2437-4B30-8E3C-4D2BE6020583}" type="datetimeFigureOut">
               <a:rPr lang="en-US" dirty="0"/>
               <a:pPr/>
-              <a:t>3/9/2021</a:t>
+              <a:t>3/10/2021</a:t>
             </a:fld>
             <a:endParaRPr lang="en-US" dirty="0"/>
           </a:p>
@@ -617,7 +618,7 @@
           <a:p>
             <a:fld id="{87DE6118-2437-4B30-8E3C-4D2BE6020583}" type="datetimeFigureOut">
               <a:rPr lang="en-US" dirty="0"/>
-              <a:t>3/9/2021</a:t>
+              <a:t>3/10/2021</a:t>
             </a:fld>
             <a:endParaRPr lang="en-US" dirty="0"/>
           </a:p>
@@ -792,7 +793,7 @@
           <a:p>
             <a:fld id="{87DE6118-2437-4B30-8E3C-4D2BE6020583}" type="datetimeFigureOut">
               <a:rPr lang="en-US" dirty="0"/>
-              <a:t>3/9/2021</a:t>
+              <a:t>3/10/2021</a:t>
             </a:fld>
             <a:endParaRPr lang="en-US" dirty="0"/>
           </a:p>
@@ -957,7 +958,7 @@
           <a:p>
             <a:fld id="{87DE6118-2437-4B30-8E3C-4D2BE6020583}" type="datetimeFigureOut">
               <a:rPr lang="en-US" dirty="0"/>
-              <a:t>3/9/2021</a:t>
+              <a:t>3/10/2021</a:t>
             </a:fld>
             <a:endParaRPr lang="en-US" dirty="0"/>
           </a:p>
@@ -1230,7 +1231,7 @@
             <a:fld id="{87DE6118-2437-4B30-8E3C-4D2BE6020583}" type="datetimeFigureOut">
               <a:rPr lang="en-US" dirty="0"/>
               <a:pPr/>
-              <a:t>3/9/2021</a:t>
+              <a:t>3/10/2021</a:t>
             </a:fld>
             <a:endParaRPr lang="en-US" dirty="0"/>
           </a:p>
@@ -1620,7 +1621,7 @@
           <a:p>
             <a:fld id="{87DE6118-2437-4B30-8E3C-4D2BE6020583}" type="datetimeFigureOut">
               <a:rPr lang="en-US" dirty="0"/>
-              <a:t>3/9/2021</a:t>
+              <a:t>3/10/2021</a:t>
             </a:fld>
             <a:endParaRPr lang="en-US" dirty="0"/>
           </a:p>
@@ -2092,7 +2093,7 @@
           <a:p>
             <a:fld id="{87DE6118-2437-4B30-8E3C-4D2BE6020583}" type="datetimeFigureOut">
               <a:rPr lang="en-US" dirty="0"/>
-              <a:t>3/9/2021</a:t>
+              <a:t>3/10/2021</a:t>
             </a:fld>
             <a:endParaRPr lang="en-US" dirty="0"/>
           </a:p>
@@ -2205,7 +2206,7 @@
           <a:p>
             <a:fld id="{87DE6118-2437-4B30-8E3C-4D2BE6020583}" type="datetimeFigureOut">
               <a:rPr lang="en-US" dirty="0"/>
-              <a:t>3/9/2021</a:t>
+              <a:t>3/10/2021</a:t>
             </a:fld>
             <a:endParaRPr lang="en-US" dirty="0"/>
           </a:p>
@@ -2295,7 +2296,7 @@
           <a:p>
             <a:fld id="{87DE6118-2437-4B30-8E3C-4D2BE6020583}" type="datetimeFigureOut">
               <a:rPr lang="en-US" dirty="0"/>
-              <a:t>3/9/2021</a:t>
+              <a:t>3/10/2021</a:t>
             </a:fld>
             <a:endParaRPr lang="en-US" dirty="0"/>
           </a:p>
@@ -2637,7 +2638,7 @@
             <a:fld id="{87DE6118-2437-4B30-8E3C-4D2BE6020583}" type="datetimeFigureOut">
               <a:rPr lang="en-US" dirty="0"/>
               <a:pPr/>
-              <a:t>3/9/2021</a:t>
+              <a:t>3/10/2021</a:t>
             </a:fld>
             <a:endParaRPr lang="en-US" dirty="0"/>
           </a:p>
@@ -3022,7 +3023,7 @@
             <a:fld id="{87DE6118-2437-4B30-8E3C-4D2BE6020583}" type="datetimeFigureOut">
               <a:rPr lang="en-US" dirty="0"/>
               <a:pPr/>
-              <a:t>3/9/2021</a:t>
+              <a:t>3/10/2021</a:t>
             </a:fld>
             <a:endParaRPr lang="en-US" dirty="0"/>
           </a:p>
@@ -3297,7 +3298,7 @@
             <a:fld id="{87DE6118-2437-4B30-8E3C-4D2BE6020583}" type="datetimeFigureOut">
               <a:rPr lang="en-US" dirty="0"/>
               <a:pPr/>
-              <a:t>3/9/2021</a:t>
+              <a:t>3/10/2021</a:t>
             </a:fld>
             <a:endParaRPr lang="en-US" dirty="0"/>
           </a:p>
@@ -3805,45 +3806,86 @@
           <a:chExt cx="0" cy="0"/>
         </a:xfrm>
       </p:grpSpPr>
-      <p:sp>
-        <p:nvSpPr>
-          <p:cNvPr id="2" name="Título 1"/>
-          <p:cNvSpPr>
-            <a:spLocks noGrp="1"/>
-          </p:cNvSpPr>
-          <p:nvPr>
-            <p:ph type="ctrTitle"/>
-          </p:nvPr>
-        </p:nvSpPr>
-        <p:spPr/>
-        <p:txBody>
-          <a:bodyPr/>
-          <a:lstStyle/>
-          <a:p>
-            <a:r>
-              <a:rPr lang="pt-BR" b="1" dirty="0" smtClean="0"/>
+      <p:pic>
+        <p:nvPicPr>
+          <p:cNvPr id="5" name="Imagem 4"/>
+          <p:cNvPicPr>
+            <a:picLocks noChangeAspect="1"/>
+          </p:cNvPicPr>
+          <p:nvPr/>
+        </p:nvPicPr>
+        <p:blipFill>
+          <a:blip r:embed="rId2">
+            <a:extLst>
+              <a:ext uri="{28A0092B-C50C-407E-A947-70E740481C1C}">
+                <a14:useLocalDpi xmlns:a14="http://schemas.microsoft.com/office/drawing/2010/main" val="0"/>
+              </a:ext>
+            </a:extLst>
+          </a:blip>
+          <a:stretch>
+            <a:fillRect/>
+          </a:stretch>
+        </p:blipFill>
+        <p:spPr>
+          <a:xfrm>
+            <a:off x="8419612" y="3185771"/>
+            <a:ext cx="1856745" cy="1856745"/>
+          </a:xfrm>
+          <a:prstGeom prst="rect">
+            <a:avLst/>
+          </a:prstGeom>
+          <a:effectLst>
+            <a:softEdge rad="63500"/>
+          </a:effectLst>
+        </p:spPr>
+      </p:pic>
+      <p:sp>
+        <p:nvSpPr>
+          <p:cNvPr id="7" name="Título 1"/>
+          <p:cNvSpPr txBox="1">
+            <a:spLocks/>
+          </p:cNvSpPr>
+          <p:nvPr/>
+        </p:nvSpPr>
+        <p:spPr>
+          <a:xfrm>
+            <a:off x="2679905" y="1788453"/>
+            <a:ext cx="5531033" cy="2578273"/>
+          </a:xfrm>
+          <a:prstGeom prst="rect">
+            <a:avLst/>
+          </a:prstGeom>
+        </p:spPr>
+        <p:txBody>
+          <a:bodyPr vert="horz" lIns="91440" tIns="45720" rIns="91440" bIns="45720" rtlCol="0" anchor="b">
+            <a:noAutofit/>
+          </a:bodyPr>
+          <a:lstStyle>
+            <a:lvl1pPr algn="ctr" defTabSz="914400" rtl="0" eaLnBrk="1" latinLnBrk="0" hangingPunct="1">
+              <a:lnSpc>
+                <a:spcPct val="89000"/>
+              </a:lnSpc>
+              <a:spcBef>
+                <a:spcPct val="0"/>
+              </a:spcBef>
+              <a:buNone/>
+              <a:defRPr sz="7200" kern="1200" cap="all" baseline="0">
+                <a:solidFill>
+                  <a:schemeClr val="tx2"/>
+                </a:solidFill>
+                <a:latin typeface="+mj-lt"/>
+                <a:ea typeface="+mj-ea"/>
+                <a:cs typeface="+mj-cs"/>
+              </a:defRPr>
+            </a:lvl1pPr>
+          </a:lstStyle>
+          <a:p>
+            <a:pPr algn="l"/>
+            <a:r>
+              <a:rPr lang="pt-BR" sz="11500" b="1" dirty="0" smtClean="0"/>
               <a:t>TURING</a:t>
             </a:r>
-            <a:endParaRPr lang="pt-BR" b="1" dirty="0"/>
-          </a:p>
-        </p:txBody>
-      </p:sp>
-      <p:sp>
-        <p:nvSpPr>
-          <p:cNvPr id="3" name="Subtítulo 2"/>
-          <p:cNvSpPr>
-            <a:spLocks noGrp="1"/>
-          </p:cNvSpPr>
-          <p:nvPr>
-            <p:ph type="subTitle" idx="1"/>
-          </p:nvPr>
-        </p:nvSpPr>
-        <p:spPr/>
-        <p:txBody>
-          <a:bodyPr/>
-          <a:lstStyle/>
-          <a:p>
-            <a:endParaRPr lang="pt-BR"/>
+            <a:endParaRPr lang="pt-BR" sz="8800" b="1" dirty="0"/>
           </a:p>
         </p:txBody>
       </p:sp>
@@ -3892,6 +3934,74 @@
           <a:bodyPr/>
           <a:lstStyle/>
           <a:p>
+            <a:endParaRPr lang="pt-BR"/>
+          </a:p>
+        </p:txBody>
+      </p:sp>
+      <p:sp>
+        <p:nvSpPr>
+          <p:cNvPr id="3" name="Espaço Reservado para Conteúdo 2"/>
+          <p:cNvSpPr>
+            <a:spLocks noGrp="1"/>
+          </p:cNvSpPr>
+          <p:nvPr>
+            <p:ph idx="1"/>
+          </p:nvPr>
+        </p:nvSpPr>
+        <p:spPr/>
+        <p:txBody>
+          <a:bodyPr/>
+          <a:lstStyle/>
+          <a:p>
+            <a:endParaRPr lang="pt-BR"/>
+          </a:p>
+        </p:txBody>
+      </p:sp>
+    </p:spTree>
+    <p:extLst>
+      <p:ext uri="{BB962C8B-B14F-4D97-AF65-F5344CB8AC3E}">
+        <p14:creationId xmlns:p14="http://schemas.microsoft.com/office/powerpoint/2010/main" val="4118473218"/>
+      </p:ext>
+    </p:extLst>
+  </p:cSld>
+  <p:clrMapOvr>
+    <a:masterClrMapping/>
+  </p:clrMapOvr>
+</p:sld>
+</file>
+
+<file path=ppt/slides/slide11.xml><?xml version="1.0" encoding="utf-8"?>
+<p:sld xmlns:a="http://schemas.openxmlformats.org/drawingml/2006/main" xmlns:r="http://schemas.openxmlformats.org/officeDocument/2006/relationships" xmlns:p="http://schemas.openxmlformats.org/presentationml/2006/main">
+  <p:cSld>
+    <p:spTree>
+      <p:nvGrpSpPr>
+        <p:cNvPr id="1" name=""/>
+        <p:cNvGrpSpPr/>
+        <p:nvPr/>
+      </p:nvGrpSpPr>
+      <p:grpSpPr>
+        <a:xfrm>
+          <a:off x="0" y="0"/>
+          <a:ext cx="0" cy="0"/>
+          <a:chOff x="0" y="0"/>
+          <a:chExt cx="0" cy="0"/>
+        </a:xfrm>
+      </p:grpSpPr>
+      <p:sp>
+        <p:nvSpPr>
+          <p:cNvPr id="2" name="Título 1"/>
+          <p:cNvSpPr>
+            <a:spLocks noGrp="1"/>
+          </p:cNvSpPr>
+          <p:nvPr>
+            <p:ph type="title"/>
+          </p:nvPr>
+        </p:nvSpPr>
+        <p:spPr/>
+        <p:txBody>
+          <a:bodyPr/>
+          <a:lstStyle/>
+          <a:p>
             <a:r>
               <a:rPr lang="pt-BR" b="1" dirty="0" smtClean="0"/>
               <a:t>AGRADECIMENTOS</a:t>
@@ -3921,7 +4031,7 @@
             </a:r>
             <a:r>
               <a:rPr lang="pt-BR" dirty="0" err="1" smtClean="0"/>
-              <a:t>Academu</a:t>
+              <a:t>Academy</a:t>
             </a:r>
             <a:endParaRPr lang="pt-BR" dirty="0" smtClean="0"/>
           </a:p>
@@ -3934,13 +4044,13 @@
           <a:p>
             <a:r>
               <a:rPr lang="pt-BR" dirty="0" smtClean="0"/>
-              <a:t>Professor Java</a:t>
+              <a:t>Professor Marcus (Java)</a:t>
             </a:r>
           </a:p>
           <a:p>
             <a:r>
               <a:rPr lang="pt-BR" dirty="0" smtClean="0"/>
-              <a:t>Professor Node</a:t>
+              <a:t>Professor Gustavo (Node)</a:t>
             </a:r>
           </a:p>
           <a:p>
@@ -3966,6 +4076,126 @@
           </a:p>
         </p:txBody>
       </p:sp>
+      <p:pic>
+        <p:nvPicPr>
+          <p:cNvPr id="4" name="Imagem 3"/>
+          <p:cNvPicPr>
+            <a:picLocks noChangeAspect="1"/>
+          </p:cNvPicPr>
+          <p:nvPr/>
+        </p:nvPicPr>
+        <p:blipFill>
+          <a:blip r:embed="rId2">
+            <a:extLst>
+              <a:ext uri="{28A0092B-C50C-407E-A947-70E740481C1C}">
+                <a14:useLocalDpi xmlns:a14="http://schemas.microsoft.com/office/drawing/2010/main" val="0"/>
+              </a:ext>
+            </a:extLst>
+          </a:blip>
+          <a:stretch>
+            <a:fillRect/>
+          </a:stretch>
+        </p:blipFill>
+        <p:spPr>
+          <a:xfrm>
+            <a:off x="8156121" y="1670957"/>
+            <a:ext cx="2816679" cy="1577340"/>
+          </a:xfrm>
+          <a:prstGeom prst="rect">
+            <a:avLst/>
+          </a:prstGeom>
+        </p:spPr>
+      </p:pic>
+      <p:pic>
+        <p:nvPicPr>
+          <p:cNvPr id="5" name="Imagem 4"/>
+          <p:cNvPicPr>
+            <a:picLocks noChangeAspect="1"/>
+          </p:cNvPicPr>
+          <p:nvPr/>
+        </p:nvPicPr>
+        <p:blipFill>
+          <a:blip r:embed="rId3">
+            <a:extLst>
+              <a:ext uri="{28A0092B-C50C-407E-A947-70E740481C1C}">
+                <a14:useLocalDpi xmlns:a14="http://schemas.microsoft.com/office/drawing/2010/main" val="0"/>
+              </a:ext>
+            </a:extLst>
+          </a:blip>
+          <a:stretch>
+            <a:fillRect/>
+          </a:stretch>
+        </p:blipFill>
+        <p:spPr>
+          <a:xfrm>
+            <a:off x="7648575" y="3719736"/>
+            <a:ext cx="3324225" cy="1381125"/>
+          </a:xfrm>
+          <a:prstGeom prst="rect">
+            <a:avLst/>
+          </a:prstGeom>
+        </p:spPr>
+      </p:pic>
+      <p:pic>
+        <p:nvPicPr>
+          <p:cNvPr id="6" name="Imagem 5"/>
+          <p:cNvPicPr>
+            <a:picLocks noChangeAspect="1"/>
+          </p:cNvPicPr>
+          <p:nvPr/>
+        </p:nvPicPr>
+        <p:blipFill>
+          <a:blip r:embed="rId4">
+            <a:extLst>
+              <a:ext uri="{28A0092B-C50C-407E-A947-70E740481C1C}">
+                <a14:useLocalDpi xmlns:a14="http://schemas.microsoft.com/office/drawing/2010/main" val="0"/>
+              </a:ext>
+            </a:extLst>
+          </a:blip>
+          <a:stretch>
+            <a:fillRect/>
+          </a:stretch>
+        </p:blipFill>
+        <p:spPr>
+          <a:xfrm>
+            <a:off x="5595878" y="2286000"/>
+            <a:ext cx="2560243" cy="1433736"/>
+          </a:xfrm>
+          <a:prstGeom prst="rect">
+            <a:avLst/>
+          </a:prstGeom>
+        </p:spPr>
+      </p:pic>
+      <p:pic>
+        <p:nvPicPr>
+          <p:cNvPr id="7" name="Imagem 6"/>
+          <p:cNvPicPr>
+            <a:picLocks noChangeAspect="1"/>
+          </p:cNvPicPr>
+          <p:nvPr/>
+        </p:nvPicPr>
+        <p:blipFill>
+          <a:blip r:embed="rId5">
+            <a:extLst>
+              <a:ext uri="{28A0092B-C50C-407E-A947-70E740481C1C}">
+                <a14:useLocalDpi xmlns:a14="http://schemas.microsoft.com/office/drawing/2010/main" val="0"/>
+              </a:ext>
+            </a:extLst>
+          </a:blip>
+          <a:stretch>
+            <a:fillRect/>
+          </a:stretch>
+        </p:blipFill>
+        <p:spPr>
+          <a:xfrm>
+            <a:off x="5595878" y="4833257"/>
+            <a:ext cx="2742728" cy="1034143"/>
+          </a:xfrm>
+          <a:prstGeom prst="rect">
+            <a:avLst/>
+          </a:prstGeom>
+        </p:spPr>
+      </p:pic>
     </p:spTree>
     <p:extLst>
       <p:ext uri="{BB962C8B-B14F-4D97-AF65-F5344CB8AC3E}">
@@ -4047,6 +4277,9 @@
           <a:prstGeom prst="rect">
             <a:avLst/>
           </a:prstGeom>
+          <a:effectLst>
+            <a:softEdge rad="63500"/>
+          </a:effectLst>
         </p:spPr>
       </p:pic>
       <p:sp>
@@ -4116,6 +4349,9 @@
           <a:prstGeom prst="rect">
             <a:avLst/>
           </a:prstGeom>
+          <a:effectLst>
+            <a:softEdge rad="63500"/>
+          </a:effectLst>
         </p:spPr>
       </p:pic>
       <p:pic>
@@ -4146,6 +4382,9 @@
           <a:prstGeom prst="rect">
             <a:avLst/>
           </a:prstGeom>
+          <a:effectLst>
+            <a:softEdge rad="63500"/>
+          </a:effectLst>
         </p:spPr>
       </p:pic>
       <p:sp>
@@ -4863,36 +5102,15 @@
           <a:chExt cx="0" cy="0"/>
         </a:xfrm>
       </p:grpSpPr>
-      <p:sp>
-        <p:nvSpPr>
-          <p:cNvPr id="2" name="Título 1"/>
-          <p:cNvSpPr>
-            <a:spLocks noGrp="1"/>
-          </p:cNvSpPr>
-          <p:nvPr>
-            <p:ph type="title"/>
-          </p:nvPr>
-        </p:nvSpPr>
-        <p:spPr/>
-        <p:txBody>
-          <a:bodyPr/>
-          <a:lstStyle/>
-          <a:p>
-            <a:r>
-              <a:rPr lang="pt-BR" b="1" dirty="0" smtClean="0"/>
-              <a:t>PROJETO NODE</a:t>
-            </a:r>
-            <a:endParaRPr lang="pt-BR" b="1" dirty="0"/>
-          </a:p>
-        </p:txBody>
-      </p:sp>
       <p:pic>
         <p:nvPicPr>
-          <p:cNvPr id="14" name="Imagem 13"/>
+          <p:cNvPr id="4" name="Espaço Reservado para Conteúdo 3"/>
           <p:cNvPicPr>
-            <a:picLocks noChangeAspect="1"/>
+            <a:picLocks noGrp="1" noChangeAspect="1"/>
           </p:cNvPicPr>
-          <p:nvPr/>
+          <p:nvPr>
+            <p:ph idx="1"/>
+          </p:nvPr>
         </p:nvPicPr>
         <p:blipFill>
           <a:blip r:embed="rId2">
@@ -4908,18 +5126,44 @@
         </p:blipFill>
         <p:spPr>
           <a:xfrm>
-            <a:off x="1741606" y="2694127"/>
-            <a:ext cx="9231194" cy="3480613"/>
-          </a:xfrm>
-          <a:prstGeom prst="rect">
-            <a:avLst/>
-          </a:prstGeom>
+            <a:off x="1371600" y="774065"/>
+            <a:ext cx="9601200" cy="5400675"/>
+          </a:xfrm>
         </p:spPr>
       </p:pic>
+      <p:sp>
+        <p:nvSpPr>
+          <p:cNvPr id="2" name="Título 1"/>
+          <p:cNvSpPr>
+            <a:spLocks noGrp="1"/>
+          </p:cNvSpPr>
+          <p:nvPr>
+            <p:ph type="title"/>
+          </p:nvPr>
+        </p:nvSpPr>
+        <p:spPr>
+          <a:xfrm>
+            <a:off x="1371600" y="799014"/>
+            <a:ext cx="9601200" cy="724989"/>
+          </a:xfrm>
+        </p:spPr>
+        <p:txBody>
+          <a:bodyPr/>
+          <a:lstStyle/>
+          <a:p>
+            <a:pPr algn="ctr"/>
+            <a:r>
+              <a:rPr lang="pt-BR" b="1" dirty="0" smtClean="0"/>
+              <a:t>FLUXO DE DADOS</a:t>
+            </a:r>
+            <a:endParaRPr lang="pt-BR" b="1" dirty="0"/>
+          </a:p>
+        </p:txBody>
+      </p:sp>
     </p:spTree>
     <p:extLst>
       <p:ext uri="{BB962C8B-B14F-4D97-AF65-F5344CB8AC3E}">
-        <p14:creationId xmlns:p14="http://schemas.microsoft.com/office/powerpoint/2010/main" val="2231189063"/>
+        <p14:creationId xmlns:p14="http://schemas.microsoft.com/office/powerpoint/2010/main" val="3372026258"/>
       </p:ext>
     </p:extLst>
   </p:cSld>
@@ -4963,7 +5207,7 @@
           <a:p>
             <a:r>
               <a:rPr lang="pt-BR" b="1" dirty="0" smtClean="0"/>
-              <a:t>PROJETO INTEGRADO</a:t>
+              <a:t>PROJETO NODE</a:t>
             </a:r>
             <a:endParaRPr lang="pt-BR" b="1" dirty="0"/>
           </a:p>
@@ -4971,7 +5215,7 @@
       </p:sp>
       <p:pic>
         <p:nvPicPr>
-          <p:cNvPr id="13" name="Imagem 12"/>
+          <p:cNvPr id="14" name="Imagem 13"/>
           <p:cNvPicPr>
             <a:picLocks noChangeAspect="1"/>
           </p:cNvPicPr>
@@ -4991,38 +5235,8 @@
         </p:blipFill>
         <p:spPr>
           <a:xfrm>
-            <a:off x="1371600" y="2171700"/>
-            <a:ext cx="4081780" cy="2285797"/>
-          </a:xfrm>
-          <a:prstGeom prst="rect">
-            <a:avLst/>
-          </a:prstGeom>
-        </p:spPr>
-      </p:pic>
-      <p:pic>
-        <p:nvPicPr>
-          <p:cNvPr id="14" name="Imagem 13"/>
-          <p:cNvPicPr>
-            <a:picLocks noChangeAspect="1"/>
-          </p:cNvPicPr>
-          <p:nvPr/>
-        </p:nvPicPr>
-        <p:blipFill>
-          <a:blip r:embed="rId3">
-            <a:extLst>
-              <a:ext uri="{28A0092B-C50C-407E-A947-70E740481C1C}">
-                <a14:useLocalDpi xmlns:a14="http://schemas.microsoft.com/office/drawing/2010/main" val="0"/>
-              </a:ext>
-            </a:extLst>
-          </a:blip>
-          <a:stretch>
-            <a:fillRect/>
-          </a:stretch>
-        </p:blipFill>
-        <p:spPr>
-          <a:xfrm>
-            <a:off x="6156960" y="2406694"/>
-            <a:ext cx="4815840" cy="1815808"/>
+            <a:off x="1741606" y="2694127"/>
+            <a:ext cx="9231194" cy="3480613"/>
           </a:xfrm>
           <a:prstGeom prst="rect">
             <a:avLst/>
@@ -5032,7 +5246,7 @@
     </p:spTree>
     <p:extLst>
       <p:ext uri="{BB962C8B-B14F-4D97-AF65-F5344CB8AC3E}">
-        <p14:creationId xmlns:p14="http://schemas.microsoft.com/office/powerpoint/2010/main" val="4122009148"/>
+        <p14:creationId xmlns:p14="http://schemas.microsoft.com/office/powerpoint/2010/main" val="2231189063"/>
       </p:ext>
     </p:extLst>
   </p:cSld>
@@ -5074,78 +5288,33 @@
           <a:bodyPr/>
           <a:lstStyle/>
           <a:p>
-            <a:r>
-              <a:rPr lang="pt-BR" b="1" dirty="0" smtClean="0"/>
-              <a:t>PROJETO INTEGRADO</a:t>
-            </a:r>
-            <a:endParaRPr lang="pt-BR" b="1" dirty="0"/>
-          </a:p>
-        </p:txBody>
-      </p:sp>
-      <p:pic>
-        <p:nvPicPr>
-          <p:cNvPr id="13" name="Imagem 12"/>
-          <p:cNvPicPr>
-            <a:picLocks noChangeAspect="1"/>
-          </p:cNvPicPr>
-          <p:nvPr/>
-        </p:nvPicPr>
-        <p:blipFill>
-          <a:blip r:embed="rId2">
-            <a:extLst>
-              <a:ext uri="{28A0092B-C50C-407E-A947-70E740481C1C}">
-                <a14:useLocalDpi xmlns:a14="http://schemas.microsoft.com/office/drawing/2010/main" val="0"/>
-              </a:ext>
-            </a:extLst>
-          </a:blip>
-          <a:stretch>
-            <a:fillRect/>
-          </a:stretch>
-        </p:blipFill>
-        <p:spPr>
-          <a:xfrm>
-            <a:off x="1374140" y="3888943"/>
-            <a:ext cx="4081780" cy="2285797"/>
-          </a:xfrm>
-          <a:prstGeom prst="rect">
-            <a:avLst/>
-          </a:prstGeom>
-        </p:spPr>
-      </p:pic>
-      <p:pic>
-        <p:nvPicPr>
-          <p:cNvPr id="14" name="Imagem 13"/>
-          <p:cNvPicPr>
-            <a:picLocks noChangeAspect="1"/>
-          </p:cNvPicPr>
-          <p:nvPr/>
-        </p:nvPicPr>
-        <p:blipFill>
-          <a:blip r:embed="rId3">
-            <a:extLst>
-              <a:ext uri="{28A0092B-C50C-407E-A947-70E740481C1C}">
-                <a14:useLocalDpi xmlns:a14="http://schemas.microsoft.com/office/drawing/2010/main" val="0"/>
-              </a:ext>
-            </a:extLst>
-          </a:blip>
-          <a:stretch>
-            <a:fillRect/>
-          </a:stretch>
-        </p:blipFill>
-        <p:spPr>
-          <a:xfrm>
-            <a:off x="6156960" y="4358932"/>
-            <a:ext cx="4815840" cy="1815808"/>
-          </a:xfrm>
-          <a:prstGeom prst="rect">
-            <a:avLst/>
-          </a:prstGeom>
-        </p:spPr>
-      </p:pic>
+            <a:endParaRPr lang="pt-BR"/>
+          </a:p>
+        </p:txBody>
+      </p:sp>
+      <p:sp>
+        <p:nvSpPr>
+          <p:cNvPr id="3" name="Espaço Reservado para Conteúdo 2"/>
+          <p:cNvSpPr>
+            <a:spLocks noGrp="1"/>
+          </p:cNvSpPr>
+          <p:nvPr>
+            <p:ph idx="1"/>
+          </p:nvPr>
+        </p:nvSpPr>
+        <p:spPr/>
+        <p:txBody>
+          <a:bodyPr/>
+          <a:lstStyle/>
+          <a:p>
+            <a:endParaRPr lang="pt-BR"/>
+          </a:p>
+        </p:txBody>
+      </p:sp>
     </p:spTree>
     <p:extLst>
       <p:ext uri="{BB962C8B-B14F-4D97-AF65-F5344CB8AC3E}">
-        <p14:creationId xmlns:p14="http://schemas.microsoft.com/office/powerpoint/2010/main" val="3514735715"/>
+        <p14:creationId xmlns:p14="http://schemas.microsoft.com/office/powerpoint/2010/main" val="3839719402"/>
       </p:ext>
     </p:extLst>
   </p:cSld>
@@ -5189,7 +5358,7 @@
           <a:p>
             <a:r>
               <a:rPr lang="pt-BR" b="1" dirty="0" smtClean="0"/>
-              <a:t>MODELAGEM DO BANCO DE DADOS</a:t>
+              <a:t>PROJETO INTEGRADO</a:t>
             </a:r>
             <a:endParaRPr lang="pt-BR" b="1" dirty="0"/>
           </a:p>
@@ -5197,13 +5366,11 @@
       </p:sp>
       <p:pic>
         <p:nvPicPr>
-          <p:cNvPr id="6" name="Espaço Reservado para Conteúdo 5"/>
+          <p:cNvPr id="13" name="Imagem 12"/>
           <p:cNvPicPr>
-            <a:picLocks noGrp="1" noChangeAspect="1"/>
+            <a:picLocks noChangeAspect="1"/>
           </p:cNvPicPr>
-          <p:nvPr>
-            <p:ph idx="1"/>
-          </p:nvPr>
+          <p:nvPr/>
         </p:nvPicPr>
         <p:blipFill>
           <a:blip r:embed="rId2">
@@ -5219,15 +5386,48 @@
         </p:blipFill>
         <p:spPr>
           <a:xfrm>
-            <a:off x="1371600" y="2593340"/>
-            <a:ext cx="5453495" cy="3581400"/>
-          </a:xfrm>
+            <a:off x="1371600" y="2171700"/>
+            <a:ext cx="4081780" cy="2285797"/>
+          </a:xfrm>
+          <a:prstGeom prst="rect">
+            <a:avLst/>
+          </a:prstGeom>
+        </p:spPr>
+      </p:pic>
+      <p:pic>
+        <p:nvPicPr>
+          <p:cNvPr id="14" name="Imagem 13"/>
+          <p:cNvPicPr>
+            <a:picLocks noChangeAspect="1"/>
+          </p:cNvPicPr>
+          <p:nvPr/>
+        </p:nvPicPr>
+        <p:blipFill>
+          <a:blip r:embed="rId3">
+            <a:extLst>
+              <a:ext uri="{28A0092B-C50C-407E-A947-70E740481C1C}">
+                <a14:useLocalDpi xmlns:a14="http://schemas.microsoft.com/office/drawing/2010/main" val="0"/>
+              </a:ext>
+            </a:extLst>
+          </a:blip>
+          <a:stretch>
+            <a:fillRect/>
+          </a:stretch>
+        </p:blipFill>
+        <p:spPr>
+          <a:xfrm>
+            <a:off x="6156960" y="2406694"/>
+            <a:ext cx="4815840" cy="1815808"/>
+          </a:xfrm>
+          <a:prstGeom prst="rect">
+            <a:avLst/>
+          </a:prstGeom>
         </p:spPr>
       </p:pic>
     </p:spTree>
     <p:extLst>
       <p:ext uri="{BB962C8B-B14F-4D97-AF65-F5344CB8AC3E}">
-        <p14:creationId xmlns:p14="http://schemas.microsoft.com/office/powerpoint/2010/main" val="4204111139"/>
+        <p14:creationId xmlns:p14="http://schemas.microsoft.com/office/powerpoint/2010/main" val="4122009148"/>
       </p:ext>
     </p:extLst>
   </p:cSld>

--- a/TURING_APRESENTACAO.pptx
+++ b/TURING_APRESENTACAO.pptx
@@ -16,6 +16,7 @@
     <p:sldId id="264" r:id="rId10"/>
     <p:sldId id="268" r:id="rId11"/>
     <p:sldId id="260" r:id="rId12"/>
+    <p:sldId id="269" r:id="rId13"/>
   </p:sldIdLst>
   <p:sldSz cx="12192000" cy="6858000"/>
   <p:notesSz cx="6858000" cy="9144000"/>
@@ -292,7 +293,7 @@
             <a:fld id="{87DE6118-2437-4B30-8E3C-4D2BE6020583}" type="datetimeFigureOut">
               <a:rPr lang="en-US" dirty="0"/>
               <a:pPr/>
-              <a:t>3/10/2021</a:t>
+              <a:t>3/11/2021</a:t>
             </a:fld>
             <a:endParaRPr lang="en-US" dirty="0"/>
           </a:p>
@@ -618,7 +619,7 @@
           <a:p>
             <a:fld id="{87DE6118-2437-4B30-8E3C-4D2BE6020583}" type="datetimeFigureOut">
               <a:rPr lang="en-US" dirty="0"/>
-              <a:t>3/10/2021</a:t>
+              <a:t>3/11/2021</a:t>
             </a:fld>
             <a:endParaRPr lang="en-US" dirty="0"/>
           </a:p>
@@ -793,7 +794,7 @@
           <a:p>
             <a:fld id="{87DE6118-2437-4B30-8E3C-4D2BE6020583}" type="datetimeFigureOut">
               <a:rPr lang="en-US" dirty="0"/>
-              <a:t>3/10/2021</a:t>
+              <a:t>3/11/2021</a:t>
             </a:fld>
             <a:endParaRPr lang="en-US" dirty="0"/>
           </a:p>
@@ -958,7 +959,7 @@
           <a:p>
             <a:fld id="{87DE6118-2437-4B30-8E3C-4D2BE6020583}" type="datetimeFigureOut">
               <a:rPr lang="en-US" dirty="0"/>
-              <a:t>3/10/2021</a:t>
+              <a:t>3/11/2021</a:t>
             </a:fld>
             <a:endParaRPr lang="en-US" dirty="0"/>
           </a:p>
@@ -1231,7 +1232,7 @@
             <a:fld id="{87DE6118-2437-4B30-8E3C-4D2BE6020583}" type="datetimeFigureOut">
               <a:rPr lang="en-US" dirty="0"/>
               <a:pPr/>
-              <a:t>3/10/2021</a:t>
+              <a:t>3/11/2021</a:t>
             </a:fld>
             <a:endParaRPr lang="en-US" dirty="0"/>
           </a:p>
@@ -1621,7 +1622,7 @@
           <a:p>
             <a:fld id="{87DE6118-2437-4B30-8E3C-4D2BE6020583}" type="datetimeFigureOut">
               <a:rPr lang="en-US" dirty="0"/>
-              <a:t>3/10/2021</a:t>
+              <a:t>3/11/2021</a:t>
             </a:fld>
             <a:endParaRPr lang="en-US" dirty="0"/>
           </a:p>
@@ -2093,7 +2094,7 @@
           <a:p>
             <a:fld id="{87DE6118-2437-4B30-8E3C-4D2BE6020583}" type="datetimeFigureOut">
               <a:rPr lang="en-US" dirty="0"/>
-              <a:t>3/10/2021</a:t>
+              <a:t>3/11/2021</a:t>
             </a:fld>
             <a:endParaRPr lang="en-US" dirty="0"/>
           </a:p>
@@ -2206,7 +2207,7 @@
           <a:p>
             <a:fld id="{87DE6118-2437-4B30-8E3C-4D2BE6020583}" type="datetimeFigureOut">
               <a:rPr lang="en-US" dirty="0"/>
-              <a:t>3/10/2021</a:t>
+              <a:t>3/11/2021</a:t>
             </a:fld>
             <a:endParaRPr lang="en-US" dirty="0"/>
           </a:p>
@@ -2296,7 +2297,7 @@
           <a:p>
             <a:fld id="{87DE6118-2437-4B30-8E3C-4D2BE6020583}" type="datetimeFigureOut">
               <a:rPr lang="en-US" dirty="0"/>
-              <a:t>3/10/2021</a:t>
+              <a:t>3/11/2021</a:t>
             </a:fld>
             <a:endParaRPr lang="en-US" dirty="0"/>
           </a:p>
@@ -2638,7 +2639,7 @@
             <a:fld id="{87DE6118-2437-4B30-8E3C-4D2BE6020583}" type="datetimeFigureOut">
               <a:rPr lang="en-US" dirty="0"/>
               <a:pPr/>
-              <a:t>3/10/2021</a:t>
+              <a:t>3/11/2021</a:t>
             </a:fld>
             <a:endParaRPr lang="en-US" dirty="0"/>
           </a:p>
@@ -3023,7 +3024,7 @@
             <a:fld id="{87DE6118-2437-4B30-8E3C-4D2BE6020583}" type="datetimeFigureOut">
               <a:rPr lang="en-US" dirty="0"/>
               <a:pPr/>
-              <a:t>3/10/2021</a:t>
+              <a:t>3/11/2021</a:t>
             </a:fld>
             <a:endParaRPr lang="en-US" dirty="0"/>
           </a:p>
@@ -3298,7 +3299,7 @@
             <a:fld id="{87DE6118-2437-4B30-8E3C-4D2BE6020583}" type="datetimeFigureOut">
               <a:rPr lang="en-US" dirty="0"/>
               <a:pPr/>
-              <a:t>3/10/2021</a:t>
+              <a:t>3/11/2021</a:t>
             </a:fld>
             <a:endParaRPr lang="en-US" dirty="0"/>
           </a:p>
@@ -3899,6 +3900,13 @@
   <p:clrMapOvr>
     <a:masterClrMapping/>
   </p:clrMapOvr>
+  <p:timing>
+    <p:tnLst>
+      <p:par>
+        <p:cTn id="1" dur="indefinite" restart="never" nodeType="tmRoot"/>
+      </p:par>
+    </p:tnLst>
+  </p:timing>
 </p:sld>
 </file>
 
@@ -3921,42 +3929,463 @@
       </p:grpSpPr>
       <p:sp>
         <p:nvSpPr>
-          <p:cNvPr id="2" name="Título 1"/>
-          <p:cNvSpPr>
-            <a:spLocks noGrp="1"/>
-          </p:cNvSpPr>
-          <p:nvPr>
-            <p:ph type="title"/>
-          </p:nvPr>
-        </p:nvSpPr>
-        <p:spPr/>
-        <p:txBody>
-          <a:bodyPr/>
+          <p:cNvPr id="4" name="Retângulo com Canto Diagonal Aparado 3"/>
+          <p:cNvSpPr/>
+          <p:nvPr/>
+        </p:nvSpPr>
+        <p:spPr>
+          <a:xfrm>
+            <a:off x="5329646" y="583475"/>
+            <a:ext cx="1567543" cy="1140822"/>
+          </a:xfrm>
+          <a:prstGeom prst="snip2DiagRect">
+            <a:avLst/>
+          </a:prstGeom>
+        </p:spPr>
+        <p:style>
+          <a:lnRef idx="2">
+            <a:schemeClr val="accent1">
+              <a:shade val="50000"/>
+            </a:schemeClr>
+          </a:lnRef>
+          <a:fillRef idx="1">
+            <a:schemeClr val="accent1"/>
+          </a:fillRef>
+          <a:effectRef idx="0">
+            <a:schemeClr val="accent1"/>
+          </a:effectRef>
+          <a:fontRef idx="minor">
+            <a:schemeClr val="lt1"/>
+          </a:fontRef>
+        </p:style>
+        <p:txBody>
+          <a:bodyPr rtlCol="0" anchor="ctr"/>
           <a:lstStyle/>
           <a:p>
-            <a:endParaRPr lang="pt-BR"/>
-          </a:p>
-        </p:txBody>
-      </p:sp>
-      <p:sp>
-        <p:nvSpPr>
-          <p:cNvPr id="3" name="Espaço Reservado para Conteúdo 2"/>
-          <p:cNvSpPr>
-            <a:spLocks noGrp="1"/>
-          </p:cNvSpPr>
-          <p:nvPr>
-            <p:ph idx="1"/>
-          </p:nvPr>
-        </p:nvSpPr>
-        <p:spPr/>
-        <p:txBody>
-          <a:bodyPr/>
+            <a:pPr algn="ctr"/>
+            <a:r>
+              <a:rPr lang="pt-BR" dirty="0" smtClean="0"/>
+              <a:t>REQUEST </a:t>
+            </a:r>
+          </a:p>
+          <a:p>
+            <a:pPr algn="ctr"/>
+            <a:r>
+              <a:rPr lang="pt-BR" dirty="0" smtClean="0"/>
+              <a:t>CLIENTE</a:t>
+            </a:r>
+            <a:endParaRPr lang="pt-BR" dirty="0"/>
+          </a:p>
+        </p:txBody>
+      </p:sp>
+      <p:sp>
+        <p:nvSpPr>
+          <p:cNvPr id="5" name="Retângulo com Canto Diagonal Aparado 4"/>
+          <p:cNvSpPr/>
+          <p:nvPr/>
+        </p:nvSpPr>
+        <p:spPr>
+          <a:xfrm>
+            <a:off x="4001589" y="2708367"/>
+            <a:ext cx="914400" cy="914400"/>
+          </a:xfrm>
+          <a:prstGeom prst="snip2DiagRect">
+            <a:avLst/>
+          </a:prstGeom>
+        </p:spPr>
+        <p:style>
+          <a:lnRef idx="2">
+            <a:schemeClr val="accent1">
+              <a:shade val="50000"/>
+            </a:schemeClr>
+          </a:lnRef>
+          <a:fillRef idx="1">
+            <a:schemeClr val="accent1"/>
+          </a:fillRef>
+          <a:effectRef idx="0">
+            <a:schemeClr val="accent1"/>
+          </a:effectRef>
+          <a:fontRef idx="minor">
+            <a:schemeClr val="lt1"/>
+          </a:fontRef>
+        </p:style>
+        <p:txBody>
+          <a:bodyPr rtlCol="0" anchor="ctr"/>
           <a:lstStyle/>
           <a:p>
-            <a:endParaRPr lang="pt-BR"/>
-          </a:p>
-        </p:txBody>
-      </p:sp>
+            <a:pPr algn="ctr"/>
+            <a:r>
+              <a:rPr lang="pt-BR" dirty="0" smtClean="0"/>
+              <a:t>NODE</a:t>
+            </a:r>
+            <a:endParaRPr lang="pt-BR" dirty="0"/>
+          </a:p>
+        </p:txBody>
+      </p:sp>
+      <p:sp>
+        <p:nvSpPr>
+          <p:cNvPr id="6" name="Retângulo com Canto Diagonal Aparado 5"/>
+          <p:cNvSpPr/>
+          <p:nvPr/>
+        </p:nvSpPr>
+        <p:spPr>
+          <a:xfrm>
+            <a:off x="7132321" y="2708367"/>
+            <a:ext cx="914400" cy="914400"/>
+          </a:xfrm>
+          <a:prstGeom prst="snip2DiagRect">
+            <a:avLst/>
+          </a:prstGeom>
+        </p:spPr>
+        <p:style>
+          <a:lnRef idx="2">
+            <a:schemeClr val="accent1">
+              <a:shade val="50000"/>
+            </a:schemeClr>
+          </a:lnRef>
+          <a:fillRef idx="1">
+            <a:schemeClr val="accent1"/>
+          </a:fillRef>
+          <a:effectRef idx="0">
+            <a:schemeClr val="accent1"/>
+          </a:effectRef>
+          <a:fontRef idx="minor">
+            <a:schemeClr val="lt1"/>
+          </a:fontRef>
+        </p:style>
+        <p:txBody>
+          <a:bodyPr rtlCol="0" anchor="ctr"/>
+          <a:lstStyle/>
+          <a:p>
+            <a:pPr algn="ctr"/>
+            <a:r>
+              <a:rPr lang="pt-BR" dirty="0" smtClean="0"/>
+              <a:t>JAVA</a:t>
+            </a:r>
+            <a:endParaRPr lang="pt-BR" dirty="0"/>
+          </a:p>
+        </p:txBody>
+      </p:sp>
+      <p:sp>
+        <p:nvSpPr>
+          <p:cNvPr id="7" name="Fluxograma: Disco Magnético 6"/>
+          <p:cNvSpPr/>
+          <p:nvPr/>
+        </p:nvSpPr>
+        <p:spPr>
+          <a:xfrm>
+            <a:off x="3614057" y="4606835"/>
+            <a:ext cx="1715589" cy="1001486"/>
+          </a:xfrm>
+          <a:prstGeom prst="flowChartMagneticDisk">
+            <a:avLst/>
+          </a:prstGeom>
+        </p:spPr>
+        <p:style>
+          <a:lnRef idx="2">
+            <a:schemeClr val="accent1">
+              <a:shade val="50000"/>
+            </a:schemeClr>
+          </a:lnRef>
+          <a:fillRef idx="1">
+            <a:schemeClr val="accent1"/>
+          </a:fillRef>
+          <a:effectRef idx="0">
+            <a:schemeClr val="accent1"/>
+          </a:effectRef>
+          <a:fontRef idx="minor">
+            <a:schemeClr val="lt1"/>
+          </a:fontRef>
+        </p:style>
+        <p:txBody>
+          <a:bodyPr rtlCol="0" anchor="ctr"/>
+          <a:lstStyle/>
+          <a:p>
+            <a:pPr algn="ctr"/>
+            <a:r>
+              <a:rPr lang="pt-BR" dirty="0" smtClean="0"/>
+              <a:t>MONGODB</a:t>
+            </a:r>
+            <a:endParaRPr lang="pt-BR" dirty="0"/>
+          </a:p>
+        </p:txBody>
+      </p:sp>
+      <p:sp>
+        <p:nvSpPr>
+          <p:cNvPr id="8" name="Fluxograma: Disco Magnético 7"/>
+          <p:cNvSpPr/>
+          <p:nvPr/>
+        </p:nvSpPr>
+        <p:spPr>
+          <a:xfrm>
+            <a:off x="7014754" y="4606835"/>
+            <a:ext cx="1715589" cy="1001486"/>
+          </a:xfrm>
+          <a:prstGeom prst="flowChartMagneticDisk">
+            <a:avLst/>
+          </a:prstGeom>
+        </p:spPr>
+        <p:style>
+          <a:lnRef idx="2">
+            <a:schemeClr val="accent1">
+              <a:shade val="50000"/>
+            </a:schemeClr>
+          </a:lnRef>
+          <a:fillRef idx="1">
+            <a:schemeClr val="accent1"/>
+          </a:fillRef>
+          <a:effectRef idx="0">
+            <a:schemeClr val="accent1"/>
+          </a:effectRef>
+          <a:fontRef idx="minor">
+            <a:schemeClr val="lt1"/>
+          </a:fontRef>
+        </p:style>
+        <p:txBody>
+          <a:bodyPr rtlCol="0" anchor="ctr"/>
+          <a:lstStyle/>
+          <a:p>
+            <a:pPr algn="ctr"/>
+            <a:r>
+              <a:rPr lang="pt-BR" dirty="0" smtClean="0"/>
+              <a:t>H2</a:t>
+            </a:r>
+            <a:endParaRPr lang="pt-BR" dirty="0"/>
+          </a:p>
+        </p:txBody>
+      </p:sp>
+      <p:cxnSp>
+        <p:nvCxnSpPr>
+          <p:cNvPr id="10" name="Conector reto 9"/>
+          <p:cNvCxnSpPr/>
+          <p:nvPr/>
+        </p:nvCxnSpPr>
+        <p:spPr>
+          <a:xfrm flipV="1">
+            <a:off x="4471851" y="2011680"/>
+            <a:ext cx="3052355" cy="17417"/>
+          </a:xfrm>
+          <a:prstGeom prst="line">
+            <a:avLst/>
+          </a:prstGeom>
+        </p:spPr>
+        <p:style>
+          <a:lnRef idx="2">
+            <a:schemeClr val="dk1"/>
+          </a:lnRef>
+          <a:fillRef idx="0">
+            <a:schemeClr val="dk1"/>
+          </a:fillRef>
+          <a:effectRef idx="1">
+            <a:schemeClr val="dk1"/>
+          </a:effectRef>
+          <a:fontRef idx="minor">
+            <a:schemeClr val="tx1"/>
+          </a:fontRef>
+        </p:style>
+      </p:cxnSp>
+      <p:cxnSp>
+        <p:nvCxnSpPr>
+          <p:cNvPr id="12" name="Conector de Seta Reta 11"/>
+          <p:cNvCxnSpPr>
+            <a:endCxn id="5" idx="3"/>
+          </p:cNvCxnSpPr>
+          <p:nvPr/>
+        </p:nvCxnSpPr>
+        <p:spPr>
+          <a:xfrm>
+            <a:off x="4458789" y="2059577"/>
+            <a:ext cx="0" cy="648790"/>
+          </a:xfrm>
+          <a:prstGeom prst="straightConnector1">
+            <a:avLst/>
+          </a:prstGeom>
+          <a:ln>
+            <a:tailEnd type="triangle"/>
+          </a:ln>
+        </p:spPr>
+        <p:style>
+          <a:lnRef idx="2">
+            <a:schemeClr val="dk1"/>
+          </a:lnRef>
+          <a:fillRef idx="0">
+            <a:schemeClr val="dk1"/>
+          </a:fillRef>
+          <a:effectRef idx="1">
+            <a:schemeClr val="dk1"/>
+          </a:effectRef>
+          <a:fontRef idx="minor">
+            <a:schemeClr val="tx1"/>
+          </a:fontRef>
+        </p:style>
+      </p:cxnSp>
+      <p:cxnSp>
+        <p:nvCxnSpPr>
+          <p:cNvPr id="14" name="Conector de Seta Reta 13"/>
+          <p:cNvCxnSpPr/>
+          <p:nvPr/>
+        </p:nvCxnSpPr>
+        <p:spPr>
+          <a:xfrm>
+            <a:off x="7524206" y="2035629"/>
+            <a:ext cx="0" cy="648790"/>
+          </a:xfrm>
+          <a:prstGeom prst="straightConnector1">
+            <a:avLst/>
+          </a:prstGeom>
+          <a:ln>
+            <a:tailEnd type="triangle"/>
+          </a:ln>
+        </p:spPr>
+        <p:style>
+          <a:lnRef idx="2">
+            <a:schemeClr val="dk1"/>
+          </a:lnRef>
+          <a:fillRef idx="0">
+            <a:schemeClr val="dk1"/>
+          </a:fillRef>
+          <a:effectRef idx="1">
+            <a:schemeClr val="dk1"/>
+          </a:effectRef>
+          <a:fontRef idx="minor">
+            <a:schemeClr val="tx1"/>
+          </a:fontRef>
+        </p:style>
+      </p:cxnSp>
+      <p:cxnSp>
+        <p:nvCxnSpPr>
+          <p:cNvPr id="15" name="Conector de Seta Reta 14"/>
+          <p:cNvCxnSpPr/>
+          <p:nvPr/>
+        </p:nvCxnSpPr>
+        <p:spPr>
+          <a:xfrm>
+            <a:off x="7720149" y="3622767"/>
+            <a:ext cx="30480" cy="914399"/>
+          </a:xfrm>
+          <a:prstGeom prst="straightConnector1">
+            <a:avLst/>
+          </a:prstGeom>
+          <a:ln>
+            <a:tailEnd type="triangle"/>
+          </a:ln>
+        </p:spPr>
+        <p:style>
+          <a:lnRef idx="2">
+            <a:schemeClr val="dk1"/>
+          </a:lnRef>
+          <a:fillRef idx="0">
+            <a:schemeClr val="dk1"/>
+          </a:fillRef>
+          <a:effectRef idx="1">
+            <a:schemeClr val="dk1"/>
+          </a:effectRef>
+          <a:fontRef idx="minor">
+            <a:schemeClr val="tx1"/>
+          </a:fontRef>
+        </p:style>
+      </p:cxnSp>
+      <p:cxnSp>
+        <p:nvCxnSpPr>
+          <p:cNvPr id="17" name="Conector de Seta Reta 16"/>
+          <p:cNvCxnSpPr/>
+          <p:nvPr/>
+        </p:nvCxnSpPr>
+        <p:spPr>
+          <a:xfrm>
+            <a:off x="4428309" y="3657601"/>
+            <a:ext cx="30480" cy="914399"/>
+          </a:xfrm>
+          <a:prstGeom prst="straightConnector1">
+            <a:avLst/>
+          </a:prstGeom>
+          <a:ln>
+            <a:tailEnd type="triangle"/>
+          </a:ln>
+        </p:spPr>
+        <p:style>
+          <a:lnRef idx="2">
+            <a:schemeClr val="dk1"/>
+          </a:lnRef>
+          <a:fillRef idx="0">
+            <a:schemeClr val="dk1"/>
+          </a:fillRef>
+          <a:effectRef idx="1">
+            <a:schemeClr val="dk1"/>
+          </a:effectRef>
+          <a:fontRef idx="minor">
+            <a:schemeClr val="tx1"/>
+          </a:fontRef>
+        </p:style>
+      </p:cxnSp>
+      <p:cxnSp>
+        <p:nvCxnSpPr>
+          <p:cNvPr id="18" name="Conector de Seta Reta 17"/>
+          <p:cNvCxnSpPr>
+            <a:endCxn id="6" idx="2"/>
+          </p:cNvCxnSpPr>
+          <p:nvPr/>
+        </p:nvCxnSpPr>
+        <p:spPr>
+          <a:xfrm>
+            <a:off x="5016137" y="3165567"/>
+            <a:ext cx="2116184" cy="0"/>
+          </a:xfrm>
+          <a:prstGeom prst="straightConnector1">
+            <a:avLst/>
+          </a:prstGeom>
+          <a:ln>
+            <a:tailEnd type="triangle"/>
+          </a:ln>
+        </p:spPr>
+        <p:style>
+          <a:lnRef idx="2">
+            <a:schemeClr val="dk1"/>
+          </a:lnRef>
+          <a:fillRef idx="0">
+            <a:schemeClr val="dk1"/>
+          </a:fillRef>
+          <a:effectRef idx="1">
+            <a:schemeClr val="dk1"/>
+          </a:effectRef>
+          <a:fontRef idx="minor">
+            <a:schemeClr val="tx1"/>
+          </a:fontRef>
+        </p:style>
+      </p:cxnSp>
+      <p:cxnSp>
+        <p:nvCxnSpPr>
+          <p:cNvPr id="20" name="Conector de Seta Reta 19"/>
+          <p:cNvCxnSpPr/>
+          <p:nvPr/>
+        </p:nvCxnSpPr>
+        <p:spPr>
+          <a:xfrm>
+            <a:off x="6074229" y="1711234"/>
+            <a:ext cx="0" cy="300446"/>
+          </a:xfrm>
+          <a:prstGeom prst="straightConnector1">
+            <a:avLst/>
+          </a:prstGeom>
+          <a:ln>
+            <a:tailEnd type="triangle"/>
+          </a:ln>
+        </p:spPr>
+        <p:style>
+          <a:lnRef idx="2">
+            <a:schemeClr val="dk1"/>
+          </a:lnRef>
+          <a:fillRef idx="0">
+            <a:schemeClr val="dk1"/>
+          </a:fillRef>
+          <a:effectRef idx="1">
+            <a:schemeClr val="dk1"/>
+          </a:effectRef>
+          <a:fontRef idx="minor">
+            <a:schemeClr val="tx1"/>
+          </a:fontRef>
+        </p:style>
+      </p:cxnSp>
     </p:spTree>
     <p:extLst>
       <p:ext uri="{BB962C8B-B14F-4D97-AF65-F5344CB8AC3E}">
@@ -4209,6 +4638,417 @@
 </p:sld>
 </file>
 
+<file path=ppt/slides/slide12.xml><?xml version="1.0" encoding="utf-8"?>
+<p:sld xmlns:a="http://schemas.openxmlformats.org/drawingml/2006/main" xmlns:r="http://schemas.openxmlformats.org/officeDocument/2006/relationships" xmlns:p="http://schemas.openxmlformats.org/presentationml/2006/main">
+  <p:cSld>
+    <p:spTree>
+      <p:nvGrpSpPr>
+        <p:cNvPr id="1" name=""/>
+        <p:cNvGrpSpPr/>
+        <p:nvPr/>
+      </p:nvGrpSpPr>
+      <p:grpSpPr>
+        <a:xfrm>
+          <a:off x="0" y="0"/>
+          <a:ext cx="0" cy="0"/>
+          <a:chOff x="0" y="0"/>
+          <a:chExt cx="0" cy="0"/>
+        </a:xfrm>
+      </p:grpSpPr>
+      <p:sp>
+        <p:nvSpPr>
+          <p:cNvPr id="2" name="Título 1"/>
+          <p:cNvSpPr>
+            <a:spLocks noGrp="1"/>
+          </p:cNvSpPr>
+          <p:nvPr>
+            <p:ph type="title"/>
+          </p:nvPr>
+        </p:nvSpPr>
+        <p:spPr/>
+        <p:txBody>
+          <a:bodyPr/>
+          <a:lstStyle/>
+          <a:p>
+            <a:r>
+              <a:rPr lang="pt-BR" b="1" dirty="0" smtClean="0"/>
+              <a:t>CONTATOS</a:t>
+            </a:r>
+            <a:endParaRPr lang="pt-BR" b="1" dirty="0"/>
+          </a:p>
+        </p:txBody>
+      </p:sp>
+      <p:pic>
+        <p:nvPicPr>
+          <p:cNvPr id="14" name="Imagem 13"/>
+          <p:cNvPicPr>
+            <a:picLocks noChangeAspect="1"/>
+          </p:cNvPicPr>
+          <p:nvPr/>
+        </p:nvPicPr>
+        <p:blipFill>
+          <a:blip r:embed="rId2">
+            <a:extLst>
+              <a:ext uri="{28A0092B-C50C-407E-A947-70E740481C1C}">
+                <a14:useLocalDpi xmlns:a14="http://schemas.microsoft.com/office/drawing/2010/main" val="0"/>
+              </a:ext>
+            </a:extLst>
+          </a:blip>
+          <a:stretch>
+            <a:fillRect/>
+          </a:stretch>
+        </p:blipFill>
+        <p:spPr>
+          <a:xfrm>
+            <a:off x="1371599" y="4785723"/>
+            <a:ext cx="1389018" cy="1389018"/>
+          </a:xfrm>
+          <a:prstGeom prst="rect">
+            <a:avLst/>
+          </a:prstGeom>
+          <a:effectLst>
+            <a:softEdge rad="63500"/>
+          </a:effectLst>
+        </p:spPr>
+      </p:pic>
+      <p:pic>
+        <p:nvPicPr>
+          <p:cNvPr id="12" name="Imagem 11"/>
+          <p:cNvPicPr>
+            <a:picLocks noChangeAspect="1"/>
+          </p:cNvPicPr>
+          <p:nvPr/>
+        </p:nvPicPr>
+        <p:blipFill>
+          <a:blip r:embed="rId3">
+            <a:extLst>
+              <a:ext uri="{28A0092B-C50C-407E-A947-70E740481C1C}">
+                <a14:useLocalDpi xmlns:a14="http://schemas.microsoft.com/office/drawing/2010/main" val="0"/>
+              </a:ext>
+            </a:extLst>
+          </a:blip>
+          <a:stretch>
+            <a:fillRect/>
+          </a:stretch>
+        </p:blipFill>
+        <p:spPr>
+          <a:xfrm>
+            <a:off x="1371599" y="2165813"/>
+            <a:ext cx="1389018" cy="1389018"/>
+          </a:xfrm>
+          <a:prstGeom prst="rect">
+            <a:avLst/>
+          </a:prstGeom>
+          <a:effectLst>
+            <a:softEdge rad="63500"/>
+          </a:effectLst>
+        </p:spPr>
+      </p:pic>
+      <p:sp>
+        <p:nvSpPr>
+          <p:cNvPr id="10" name="AutoShape 18" descr="https://web.whatsapp.com/pp?e=https%3A%2F%2Fpps.whatsapp.net%2Fv%2Ft61.24694-24%2F124667010_274892987306679_1961216658549594338_n.jpg%3Foh%3Dd1025e5b560720c053424c1846241273%26oe%3D604B483E&amp;t=l&amp;u=5524992927610%40c.us&amp;i=1612384187&amp;n=8f%2FL51pdaKcyUJSLVQY4WSqbhzAz7zwwA635XsTcb30%3D"/>
+          <p:cNvSpPr>
+            <a:spLocks noChangeAspect="1" noChangeArrowheads="1"/>
+          </p:cNvSpPr>
+          <p:nvPr/>
+        </p:nvSpPr>
+        <p:spPr bwMode="auto">
+          <a:xfrm>
+            <a:off x="155575" y="-144463"/>
+            <a:ext cx="304800" cy="304801"/>
+          </a:xfrm>
+          <a:prstGeom prst="rect">
+            <a:avLst/>
+          </a:prstGeom>
+          <a:noFill/>
+          <a:extLst>
+            <a:ext uri="{909E8E84-426E-40DD-AFC4-6F175D3DCCD1}">
+              <a14:hiddenFill xmlns:a14="http://schemas.microsoft.com/office/drawing/2010/main">
+                <a:solidFill>
+                  <a:srgbClr val="FFFFFF"/>
+                </a:solidFill>
+              </a14:hiddenFill>
+            </a:ext>
+          </a:extLst>
+        </p:spPr>
+        <p:txBody>
+          <a:bodyPr vert="horz" wrap="square" lIns="91440" tIns="45720" rIns="91440" bIns="45720" numCol="1" anchor="t" anchorCtr="0" compatLnSpc="1">
+            <a:prstTxWarp prst="textNoShape">
+              <a:avLst/>
+            </a:prstTxWarp>
+          </a:bodyPr>
+          <a:lstStyle/>
+          <a:p>
+            <a:endParaRPr lang="pt-BR"/>
+          </a:p>
+        </p:txBody>
+      </p:sp>
+      <p:pic>
+        <p:nvPicPr>
+          <p:cNvPr id="13" name="Imagem 12"/>
+          <p:cNvPicPr>
+            <a:picLocks noChangeAspect="1"/>
+          </p:cNvPicPr>
+          <p:nvPr/>
+        </p:nvPicPr>
+        <p:blipFill>
+          <a:blip r:embed="rId4">
+            <a:extLst>
+              <a:ext uri="{28A0092B-C50C-407E-A947-70E740481C1C}">
+                <a14:useLocalDpi xmlns:a14="http://schemas.microsoft.com/office/drawing/2010/main" val="0"/>
+              </a:ext>
+            </a:extLst>
+          </a:blip>
+          <a:stretch>
+            <a:fillRect/>
+          </a:stretch>
+        </p:blipFill>
+        <p:spPr>
+          <a:xfrm>
+            <a:off x="1371599" y="3475768"/>
+            <a:ext cx="1389018" cy="1389018"/>
+          </a:xfrm>
+          <a:prstGeom prst="rect">
+            <a:avLst/>
+          </a:prstGeom>
+          <a:effectLst>
+            <a:softEdge rad="63500"/>
+          </a:effectLst>
+        </p:spPr>
+      </p:pic>
+      <p:sp>
+        <p:nvSpPr>
+          <p:cNvPr id="16" name="CaixaDeTexto 15"/>
+          <p:cNvSpPr txBox="1"/>
+          <p:nvPr/>
+        </p:nvSpPr>
+        <p:spPr>
+          <a:xfrm>
+            <a:off x="2718332" y="2176220"/>
+            <a:ext cx="8254467" cy="1231106"/>
+          </a:xfrm>
+          <a:prstGeom prst="rect">
+            <a:avLst/>
+          </a:prstGeom>
+          <a:noFill/>
+        </p:spPr>
+        <p:txBody>
+          <a:bodyPr wrap="square" rtlCol="0">
+            <a:spAutoFit/>
+          </a:bodyPr>
+          <a:lstStyle/>
+          <a:p>
+            <a:r>
+              <a:rPr lang="pt-BR" b="1" dirty="0"/>
+              <a:t>Guilherme </a:t>
+            </a:r>
+            <a:r>
+              <a:rPr lang="pt-BR" b="1" dirty="0" err="1" smtClean="0"/>
+              <a:t>Renoldi</a:t>
+            </a:r>
+            <a:r>
+              <a:rPr lang="pt-BR" b="1" dirty="0" smtClean="0"/>
+              <a:t> || </a:t>
+            </a:r>
+            <a:r>
+              <a:rPr lang="pt-BR" sz="1400" b="1" dirty="0" smtClean="0"/>
+              <a:t>+</a:t>
+            </a:r>
+            <a:r>
+              <a:rPr lang="pt-BR" sz="1400" b="1" dirty="0"/>
+              <a:t>55 12 </a:t>
+            </a:r>
+            <a:r>
+              <a:rPr lang="pt-BR" sz="1400" b="1" dirty="0" smtClean="0"/>
+              <a:t>98896-7559</a:t>
+            </a:r>
+          </a:p>
+          <a:p>
+            <a:r>
+              <a:rPr lang="pt-BR" sz="1400" b="1" dirty="0"/>
+              <a:t>https://</a:t>
+            </a:r>
+            <a:r>
+              <a:rPr lang="pt-BR" sz="1400" b="1" dirty="0" smtClean="0"/>
+              <a:t>github.com/grenoldi</a:t>
+            </a:r>
+            <a:endParaRPr lang="pt-BR" sz="1400" b="1" dirty="0"/>
+          </a:p>
+          <a:p>
+            <a:endParaRPr lang="pt-BR" sz="1400" b="1" dirty="0" smtClean="0"/>
+          </a:p>
+          <a:p>
+            <a:endParaRPr lang="pt-BR" sz="1400" b="1" dirty="0"/>
+          </a:p>
+          <a:p>
+            <a:r>
+              <a:rPr lang="pt-BR" sz="1400" b="1" dirty="0" err="1" smtClean="0"/>
+              <a:t>ds</a:t>
+            </a:r>
+            <a:endParaRPr lang="pt-BR" sz="1400" b="1" dirty="0"/>
+          </a:p>
+        </p:txBody>
+      </p:sp>
+      <p:sp>
+        <p:nvSpPr>
+          <p:cNvPr id="17" name="CaixaDeTexto 16"/>
+          <p:cNvSpPr txBox="1"/>
+          <p:nvPr/>
+        </p:nvSpPr>
+        <p:spPr>
+          <a:xfrm>
+            <a:off x="2718333" y="3482022"/>
+            <a:ext cx="8254466" cy="1231106"/>
+          </a:xfrm>
+          <a:prstGeom prst="rect">
+            <a:avLst/>
+          </a:prstGeom>
+          <a:noFill/>
+        </p:spPr>
+        <p:txBody>
+          <a:bodyPr wrap="square" rtlCol="0">
+            <a:spAutoFit/>
+          </a:bodyPr>
+          <a:lstStyle/>
+          <a:p>
+            <a:r>
+              <a:rPr lang="pt-BR" b="1" dirty="0"/>
+              <a:t>Jefferson </a:t>
+            </a:r>
+            <a:r>
+              <a:rPr lang="pt-BR" b="1" dirty="0" smtClean="0"/>
+              <a:t>Rodrigues || </a:t>
+            </a:r>
+            <a:r>
+              <a:rPr lang="pt-BR" sz="1400" b="1" dirty="0" smtClean="0"/>
+              <a:t>+</a:t>
+            </a:r>
+            <a:r>
+              <a:rPr lang="pt-BR" sz="1400" b="1" dirty="0"/>
+              <a:t>55 </a:t>
+            </a:r>
+            <a:r>
+              <a:rPr lang="pt-BR" sz="1400" b="1" dirty="0" smtClean="0"/>
+              <a:t>11 97973-0321</a:t>
+            </a:r>
+          </a:p>
+          <a:p>
+            <a:r>
+              <a:rPr lang="pt-BR" sz="1400" b="1" dirty="0"/>
+              <a:t>https://</a:t>
+            </a:r>
+            <a:r>
+              <a:rPr lang="pt-BR" sz="1400" b="1" dirty="0" smtClean="0"/>
+              <a:t>github.com/Jeffrs123</a:t>
+            </a:r>
+          </a:p>
+          <a:p>
+            <a:endParaRPr lang="pt-BR" sz="1400" b="1" dirty="0"/>
+          </a:p>
+          <a:p>
+            <a:endParaRPr lang="pt-BR" sz="1400" b="1" dirty="0" smtClean="0"/>
+          </a:p>
+          <a:p>
+            <a:r>
+              <a:rPr lang="pt-BR" sz="1400" b="1" dirty="0" err="1" smtClean="0"/>
+              <a:t>fsd</a:t>
+            </a:r>
+            <a:endParaRPr lang="pt-BR" sz="1400" b="1" dirty="0"/>
+          </a:p>
+        </p:txBody>
+      </p:sp>
+      <p:sp>
+        <p:nvSpPr>
+          <p:cNvPr id="22" name="CaixaDeTexto 21"/>
+          <p:cNvSpPr txBox="1"/>
+          <p:nvPr/>
+        </p:nvSpPr>
+        <p:spPr>
+          <a:xfrm>
+            <a:off x="2760618" y="4785723"/>
+            <a:ext cx="8212182" cy="1231106"/>
+          </a:xfrm>
+          <a:prstGeom prst="rect">
+            <a:avLst/>
+          </a:prstGeom>
+          <a:noFill/>
+        </p:spPr>
+        <p:txBody>
+          <a:bodyPr wrap="square" rtlCol="0">
+            <a:spAutoFit/>
+          </a:bodyPr>
+          <a:lstStyle/>
+          <a:p>
+            <a:r>
+              <a:rPr lang="pt-BR" b="1" dirty="0"/>
+              <a:t>Luciano </a:t>
+            </a:r>
+            <a:r>
+              <a:rPr lang="pt-BR" b="1" dirty="0" err="1" smtClean="0"/>
+              <a:t>Scalfone</a:t>
+            </a:r>
+            <a:r>
+              <a:rPr lang="pt-BR" b="1" dirty="0" smtClean="0"/>
+              <a:t> || </a:t>
+            </a:r>
+            <a:r>
+              <a:rPr lang="pt-BR" sz="1400" b="1" dirty="0" smtClean="0"/>
+              <a:t>+</a:t>
+            </a:r>
+            <a:r>
+              <a:rPr lang="pt-BR" sz="1400" b="1" dirty="0"/>
+              <a:t>55 24 </a:t>
+            </a:r>
+            <a:r>
+              <a:rPr lang="pt-BR" sz="1400" b="1" dirty="0" smtClean="0"/>
+              <a:t>99292-7610</a:t>
+            </a:r>
+          </a:p>
+          <a:p>
+            <a:r>
+              <a:rPr lang="pt-BR" sz="1400" b="1" dirty="0"/>
+              <a:t>https://</a:t>
+            </a:r>
+            <a:r>
+              <a:rPr lang="pt-BR" sz="1400" b="1" dirty="0" smtClean="0"/>
+              <a:t>github.com/Luciano-Scalfone</a:t>
+            </a:r>
+          </a:p>
+          <a:p>
+            <a:endParaRPr lang="pt-BR" sz="1400" b="1" dirty="0"/>
+          </a:p>
+          <a:p>
+            <a:endParaRPr lang="pt-BR" sz="1400" b="1" dirty="0" smtClean="0"/>
+          </a:p>
+          <a:p>
+            <a:r>
+              <a:rPr lang="pt-BR" sz="1400" b="1" dirty="0" err="1" smtClean="0"/>
+              <a:t>fs</a:t>
+            </a:r>
+            <a:endParaRPr lang="pt-BR" sz="1400" b="1" dirty="0"/>
+          </a:p>
+        </p:txBody>
+      </p:sp>
+    </p:spTree>
+    <p:extLst>
+      <p:ext uri="{BB962C8B-B14F-4D97-AF65-F5344CB8AC3E}">
+        <p14:creationId xmlns:p14="http://schemas.microsoft.com/office/powerpoint/2010/main" val="3973763587"/>
+      </p:ext>
+    </p:extLst>
+  </p:cSld>
+  <p:clrMapOvr>
+    <a:masterClrMapping/>
+  </p:clrMapOvr>
+  <p:timing>
+    <p:tnLst>
+      <p:par>
+        <p:cTn id="1" dur="indefinite" restart="never" nodeType="tmRoot"/>
+      </p:par>
+    </p:tnLst>
+  </p:timing>
+</p:sld>
+</file>
+
 <file path=ppt/slides/slide2.xml><?xml version="1.0" encoding="utf-8"?>
 <p:sld xmlns:a="http://schemas.openxmlformats.org/drawingml/2006/main" xmlns:r="http://schemas.openxmlformats.org/officeDocument/2006/relationships" xmlns:p="http://schemas.openxmlformats.org/presentationml/2006/main">
   <p:cSld>
@@ -4498,6 +5338,13 @@
   <p:clrMapOvr>
     <a:masterClrMapping/>
   </p:clrMapOvr>
+  <p:timing>
+    <p:tnLst>
+      <p:par>
+        <p:cTn id="1" dur="indefinite" restart="never" nodeType="tmRoot"/>
+      </p:par>
+    </p:tnLst>
+  </p:timing>
 </p:sld>
 </file>
 
@@ -4734,6 +5581,36 @@
           </a:p>
         </p:txBody>
       </p:sp>
+      <p:pic>
+        <p:nvPicPr>
+          <p:cNvPr id="3" name="Imagem 2"/>
+          <p:cNvPicPr>
+            <a:picLocks noChangeAspect="1"/>
+          </p:cNvPicPr>
+          <p:nvPr/>
+        </p:nvPicPr>
+        <p:blipFill>
+          <a:blip r:embed="rId4">
+            <a:extLst>
+              <a:ext uri="{28A0092B-C50C-407E-A947-70E740481C1C}">
+                <a14:useLocalDpi xmlns:a14="http://schemas.microsoft.com/office/drawing/2010/main" val="0"/>
+              </a:ext>
+            </a:extLst>
+          </a:blip>
+          <a:stretch>
+            <a:fillRect/>
+          </a:stretch>
+        </p:blipFill>
+        <p:spPr>
+          <a:xfrm>
+            <a:off x="3813810" y="3996100"/>
+            <a:ext cx="2645229" cy="2178640"/>
+          </a:xfrm>
+          <a:prstGeom prst="rect">
+            <a:avLst/>
+          </a:prstGeom>
+        </p:spPr>
+      </p:pic>
     </p:spTree>
     <p:extLst>
       <p:ext uri="{BB962C8B-B14F-4D97-AF65-F5344CB8AC3E}">
@@ -4744,6 +5621,13 @@
   <p:clrMapOvr>
     <a:masterClrMapping/>
   </p:clrMapOvr>
+  <p:timing>
+    <p:tnLst>
+      <p:par>
+        <p:cTn id="1" dur="indefinite" restart="never" nodeType="tmRoot"/>
+      </p:par>
+    </p:tnLst>
+  </p:timing>
 </p:sld>
 </file>
 
@@ -4999,6 +5883,13 @@
   <p:clrMapOvr>
     <a:masterClrMapping/>
   </p:clrMapOvr>
+  <p:timing>
+    <p:tnLst>
+      <p:par>
+        <p:cTn id="1" dur="indefinite" restart="never" nodeType="tmRoot"/>
+      </p:par>
+    </p:tnLst>
+  </p:timing>
 </p:sld>
 </file>
 
@@ -5082,6 +5973,13 @@
   <p:clrMapOvr>
     <a:masterClrMapping/>
   </p:clrMapOvr>
+  <p:timing>
+    <p:tnLst>
+      <p:par>
+        <p:cTn id="1" dur="indefinite" restart="never" nodeType="tmRoot"/>
+      </p:par>
+    </p:tnLst>
+  </p:timing>
 </p:sld>
 </file>
 
@@ -5170,6 +6068,13 @@
   <p:clrMapOvr>
     <a:masterClrMapping/>
   </p:clrMapOvr>
+  <p:timing>
+    <p:tnLst>
+      <p:par>
+        <p:cTn id="1" dur="indefinite" restart="never" nodeType="tmRoot"/>
+      </p:par>
+    </p:tnLst>
+  </p:timing>
 </p:sld>
 </file>
 
@@ -5253,6 +6158,13 @@
   <p:clrMapOvr>
     <a:masterClrMapping/>
   </p:clrMapOvr>
+  <p:timing>
+    <p:tnLst>
+      <p:par>
+        <p:cTn id="1" dur="indefinite" restart="never" nodeType="tmRoot"/>
+      </p:par>
+    </p:tnLst>
+  </p:timing>
 </p:sld>
 </file>
 
@@ -5321,6 +6233,13 @@
   <p:clrMapOvr>
     <a:masterClrMapping/>
   </p:clrMapOvr>
+  <p:timing>
+    <p:tnLst>
+      <p:par>
+        <p:cTn id="1" dur="indefinite" restart="never" nodeType="tmRoot"/>
+      </p:par>
+    </p:tnLst>
+  </p:timing>
 </p:sld>
 </file>
 
@@ -5434,6 +6353,13 @@
   <p:clrMapOvr>
     <a:masterClrMapping/>
   </p:clrMapOvr>
+  <p:timing>
+    <p:tnLst>
+      <p:par>
+        <p:cTn id="1" dur="indefinite" restart="never" nodeType="tmRoot"/>
+      </p:par>
+    </p:tnLst>
+  </p:timing>
 </p:sld>
 </file>
 

--- a/TURING_APRESENTACAO.pptx
+++ b/TURING_APRESENTACAO.pptx
@@ -10,13 +10,15 @@
     <p:sldId id="258" r:id="rId4"/>
     <p:sldId id="262" r:id="rId5"/>
     <p:sldId id="259" r:id="rId6"/>
-    <p:sldId id="266" r:id="rId7"/>
-    <p:sldId id="263" r:id="rId8"/>
-    <p:sldId id="267" r:id="rId9"/>
-    <p:sldId id="264" r:id="rId10"/>
-    <p:sldId id="268" r:id="rId11"/>
-    <p:sldId id="260" r:id="rId12"/>
-    <p:sldId id="269" r:id="rId13"/>
+    <p:sldId id="271" r:id="rId7"/>
+    <p:sldId id="266" r:id="rId8"/>
+    <p:sldId id="263" r:id="rId9"/>
+    <p:sldId id="267" r:id="rId10"/>
+    <p:sldId id="264" r:id="rId11"/>
+    <p:sldId id="268" r:id="rId12"/>
+    <p:sldId id="260" r:id="rId13"/>
+    <p:sldId id="269" r:id="rId14"/>
+    <p:sldId id="270" r:id="rId15"/>
   </p:sldIdLst>
   <p:sldSz cx="12192000" cy="6858000"/>
   <p:notesSz cx="6858000" cy="9144000"/>
@@ -3929,6 +3931,126 @@
       </p:grpSpPr>
       <p:sp>
         <p:nvSpPr>
+          <p:cNvPr id="2" name="Título 1"/>
+          <p:cNvSpPr>
+            <a:spLocks noGrp="1"/>
+          </p:cNvSpPr>
+          <p:nvPr>
+            <p:ph type="title"/>
+          </p:nvPr>
+        </p:nvSpPr>
+        <p:spPr/>
+        <p:txBody>
+          <a:bodyPr/>
+          <a:lstStyle/>
+          <a:p>
+            <a:r>
+              <a:rPr lang="pt-BR" b="1" dirty="0" smtClean="0"/>
+              <a:t>PROJETO INTEGRADO</a:t>
+            </a:r>
+            <a:endParaRPr lang="pt-BR" b="1" dirty="0"/>
+          </a:p>
+        </p:txBody>
+      </p:sp>
+      <p:pic>
+        <p:nvPicPr>
+          <p:cNvPr id="13" name="Imagem 12"/>
+          <p:cNvPicPr>
+            <a:picLocks noChangeAspect="1"/>
+          </p:cNvPicPr>
+          <p:nvPr/>
+        </p:nvPicPr>
+        <p:blipFill>
+          <a:blip r:embed="rId2">
+            <a:extLst>
+              <a:ext uri="{28A0092B-C50C-407E-A947-70E740481C1C}">
+                <a14:useLocalDpi xmlns:a14="http://schemas.microsoft.com/office/drawing/2010/main" val="0"/>
+              </a:ext>
+            </a:extLst>
+          </a:blip>
+          <a:stretch>
+            <a:fillRect/>
+          </a:stretch>
+        </p:blipFill>
+        <p:spPr>
+          <a:xfrm>
+            <a:off x="1371600" y="2171700"/>
+            <a:ext cx="4081780" cy="2285797"/>
+          </a:xfrm>
+          <a:prstGeom prst="rect">
+            <a:avLst/>
+          </a:prstGeom>
+        </p:spPr>
+      </p:pic>
+      <p:pic>
+        <p:nvPicPr>
+          <p:cNvPr id="14" name="Imagem 13"/>
+          <p:cNvPicPr>
+            <a:picLocks noChangeAspect="1"/>
+          </p:cNvPicPr>
+          <p:nvPr/>
+        </p:nvPicPr>
+        <p:blipFill>
+          <a:blip r:embed="rId3">
+            <a:extLst>
+              <a:ext uri="{28A0092B-C50C-407E-A947-70E740481C1C}">
+                <a14:useLocalDpi xmlns:a14="http://schemas.microsoft.com/office/drawing/2010/main" val="0"/>
+              </a:ext>
+            </a:extLst>
+          </a:blip>
+          <a:stretch>
+            <a:fillRect/>
+          </a:stretch>
+        </p:blipFill>
+        <p:spPr>
+          <a:xfrm>
+            <a:off x="6156960" y="2406694"/>
+            <a:ext cx="4815840" cy="1815808"/>
+          </a:xfrm>
+          <a:prstGeom prst="rect">
+            <a:avLst/>
+          </a:prstGeom>
+        </p:spPr>
+      </p:pic>
+    </p:spTree>
+    <p:extLst>
+      <p:ext uri="{BB962C8B-B14F-4D97-AF65-F5344CB8AC3E}">
+        <p14:creationId xmlns:p14="http://schemas.microsoft.com/office/powerpoint/2010/main" val="4122009148"/>
+      </p:ext>
+    </p:extLst>
+  </p:cSld>
+  <p:clrMapOvr>
+    <a:masterClrMapping/>
+  </p:clrMapOvr>
+  <p:timing>
+    <p:tnLst>
+      <p:par>
+        <p:cTn id="1" dur="indefinite" restart="never" nodeType="tmRoot"/>
+      </p:par>
+    </p:tnLst>
+  </p:timing>
+</p:sld>
+</file>
+
+<file path=ppt/slides/slide11.xml><?xml version="1.0" encoding="utf-8"?>
+<p:sld xmlns:a="http://schemas.openxmlformats.org/drawingml/2006/main" xmlns:r="http://schemas.openxmlformats.org/officeDocument/2006/relationships" xmlns:p="http://schemas.openxmlformats.org/presentationml/2006/main">
+  <p:cSld>
+    <p:spTree>
+      <p:nvGrpSpPr>
+        <p:cNvPr id="1" name=""/>
+        <p:cNvGrpSpPr/>
+        <p:nvPr/>
+      </p:nvGrpSpPr>
+      <p:grpSpPr>
+        <a:xfrm>
+          <a:off x="0" y="0"/>
+          <a:ext cx="0" cy="0"/>
+          <a:chOff x="0" y="0"/>
+          <a:chExt cx="0" cy="0"/>
+        </a:xfrm>
+      </p:grpSpPr>
+      <p:sp>
+        <p:nvSpPr>
           <p:cNvPr id="4" name="Retângulo com Canto Diagonal Aparado 3"/>
           <p:cNvSpPr/>
           <p:nvPr/>
@@ -4399,7 +4521,7 @@
 </p:sld>
 </file>
 
-<file path=ppt/slides/slide11.xml><?xml version="1.0" encoding="utf-8"?>
+<file path=ppt/slides/slide12.xml><?xml version="1.0" encoding="utf-8"?>
 <p:sld xmlns:a="http://schemas.openxmlformats.org/drawingml/2006/main" xmlns:r="http://schemas.openxmlformats.org/officeDocument/2006/relationships" xmlns:p="http://schemas.openxmlformats.org/presentationml/2006/main">
   <p:cSld>
     <p:spTree>
@@ -4638,7 +4760,7 @@
 </p:sld>
 </file>
 
-<file path=ppt/slides/slide12.xml><?xml version="1.0" encoding="utf-8"?>
+<file path=ppt/slides/slide13.xml><?xml version="1.0" encoding="utf-8"?>
 <p:sld xmlns:a="http://schemas.openxmlformats.org/drawingml/2006/main" xmlns:r="http://schemas.openxmlformats.org/officeDocument/2006/relationships" xmlns:p="http://schemas.openxmlformats.org/presentationml/2006/main">
   <p:cSld>
     <p:spTree>
@@ -4825,7 +4947,7 @@
         <p:spPr>
           <a:xfrm>
             <a:off x="2718332" y="2176220"/>
-            <a:ext cx="8254467" cy="1231106"/>
+            <a:ext cx="8254467" cy="1015663"/>
           </a:xfrm>
           <a:prstGeom prst="rect">
             <a:avLst/>
@@ -4848,8 +4970,10 @@
             </a:r>
             <a:r>
               <a:rPr lang="pt-BR" b="1" dirty="0" smtClean="0"/>
-              <a:t> || </a:t>
-            </a:r>
+              <a:t> </a:t>
+            </a:r>
+          </a:p>
+          <a:p>
             <a:r>
               <a:rPr lang="pt-BR" sz="1400" b="1" dirty="0" smtClean="0"/>
               <a:t>+</a:t>
@@ -4875,15 +4999,9 @@
             <a:endParaRPr lang="pt-BR" sz="1400" b="1" dirty="0"/>
           </a:p>
           <a:p>
-            <a:endParaRPr lang="pt-BR" sz="1400" b="1" dirty="0" smtClean="0"/>
-          </a:p>
-          <a:p>
-            <a:endParaRPr lang="pt-BR" sz="1400" b="1" dirty="0"/>
-          </a:p>
-          <a:p>
-            <a:r>
-              <a:rPr lang="pt-BR" sz="1400" b="1" dirty="0" err="1" smtClean="0"/>
-              <a:t>ds</a:t>
+            <a:r>
+              <a:rPr lang="pt-BR" sz="1400" b="1" dirty="0"/>
+              <a:t>https://www.linkedin.com/in/grenoldi/</a:t>
             </a:r>
             <a:endParaRPr lang="pt-BR" sz="1400" b="1" dirty="0"/>
           </a:p>
@@ -4898,7 +5016,7 @@
         <p:spPr>
           <a:xfrm>
             <a:off x="2718333" y="3482022"/>
-            <a:ext cx="8254466" cy="1231106"/>
+            <a:ext cx="8254466" cy="1015663"/>
           </a:xfrm>
           <a:prstGeom prst="rect">
             <a:avLst/>
@@ -4917,8 +5035,10 @@
             </a:r>
             <a:r>
               <a:rPr lang="pt-BR" b="1" dirty="0" smtClean="0"/>
-              <a:t>Rodrigues || </a:t>
-            </a:r>
+              <a:t>Rodrigues</a:t>
+            </a:r>
+          </a:p>
+          <a:p>
             <a:r>
               <a:rPr lang="pt-BR" sz="1400" b="1" dirty="0" smtClean="0"/>
               <a:t>+</a:t>
@@ -4943,17 +5063,11 @@
             </a:r>
           </a:p>
           <a:p>
-            <a:endParaRPr lang="pt-BR" sz="1400" b="1" dirty="0"/>
-          </a:p>
-          <a:p>
+            <a:r>
+              <a:rPr lang="pt-BR" sz="1400" b="1" dirty="0"/>
+              <a:t>https://www.linkedin.com/in/jeffersonrodriguesdasilva/</a:t>
+            </a:r>
             <a:endParaRPr lang="pt-BR" sz="1400" b="1" dirty="0" smtClean="0"/>
-          </a:p>
-          <a:p>
-            <a:r>
-              <a:rPr lang="pt-BR" sz="1400" b="1" dirty="0" err="1" smtClean="0"/>
-              <a:t>fsd</a:t>
-            </a:r>
-            <a:endParaRPr lang="pt-BR" sz="1400" b="1" dirty="0"/>
           </a:p>
         </p:txBody>
       </p:sp>
@@ -4966,7 +5080,7 @@
         <p:spPr>
           <a:xfrm>
             <a:off x="2760618" y="4785723"/>
-            <a:ext cx="8212182" cy="1231106"/>
+            <a:ext cx="8212182" cy="1015663"/>
           </a:xfrm>
           <a:prstGeom prst="rect">
             <a:avLst/>
@@ -4987,17 +5101,16 @@
               <a:rPr lang="pt-BR" b="1" dirty="0" err="1" smtClean="0"/>
               <a:t>Scalfone</a:t>
             </a:r>
-            <a:r>
-              <a:rPr lang="pt-BR" b="1" dirty="0" smtClean="0"/>
-              <a:t> || </a:t>
-            </a:r>
+            <a:endParaRPr lang="pt-BR" b="1" dirty="0"/>
+          </a:p>
+          <a:p>
             <a:r>
               <a:rPr lang="pt-BR" sz="1400" b="1" dirty="0" smtClean="0"/>
-              <a:t>+</a:t>
+              <a:t>+55 </a:t>
             </a:r>
             <a:r>
               <a:rPr lang="pt-BR" sz="1400" b="1" dirty="0"/>
-              <a:t>55 24 </a:t>
+              <a:t>24 </a:t>
             </a:r>
             <a:r>
               <a:rPr lang="pt-BR" sz="1400" b="1" dirty="0" smtClean="0"/>
@@ -5015,15 +5128,9 @@
             </a:r>
           </a:p>
           <a:p>
-            <a:endParaRPr lang="pt-BR" sz="1400" b="1" dirty="0"/>
-          </a:p>
-          <a:p>
-            <a:endParaRPr lang="pt-BR" sz="1400" b="1" dirty="0" smtClean="0"/>
-          </a:p>
-          <a:p>
-            <a:r>
-              <a:rPr lang="pt-BR" sz="1400" b="1" dirty="0" err="1" smtClean="0"/>
-              <a:t>fs</a:t>
+            <a:r>
+              <a:rPr lang="pt-BR" sz="1400" b="1" dirty="0"/>
+              <a:t>https://www.linkedin.com/in/luciano-scalfone/</a:t>
             </a:r>
             <a:endParaRPr lang="pt-BR" sz="1400" b="1" dirty="0"/>
           </a:p>
@@ -5033,6 +5140,290 @@
     <p:extLst>
       <p:ext uri="{BB962C8B-B14F-4D97-AF65-F5344CB8AC3E}">
         <p14:creationId xmlns:p14="http://schemas.microsoft.com/office/powerpoint/2010/main" val="3973763587"/>
+      </p:ext>
+    </p:extLst>
+  </p:cSld>
+  <p:clrMapOvr>
+    <a:masterClrMapping/>
+  </p:clrMapOvr>
+  <p:timing>
+    <p:tnLst>
+      <p:par>
+        <p:cTn id="1" dur="indefinite" restart="never" nodeType="tmRoot"/>
+      </p:par>
+    </p:tnLst>
+  </p:timing>
+</p:sld>
+</file>
+
+<file path=ppt/slides/slide14.xml><?xml version="1.0" encoding="utf-8"?>
+<p:sld xmlns:a="http://schemas.openxmlformats.org/drawingml/2006/main" xmlns:r="http://schemas.openxmlformats.org/officeDocument/2006/relationships" xmlns:p="http://schemas.openxmlformats.org/presentationml/2006/main">
+  <p:cSld>
+    <p:spTree>
+      <p:nvGrpSpPr>
+        <p:cNvPr id="1" name=""/>
+        <p:cNvGrpSpPr/>
+        <p:nvPr/>
+      </p:nvGrpSpPr>
+      <p:grpSpPr>
+        <a:xfrm>
+          <a:off x="0" y="0"/>
+          <a:ext cx="0" cy="0"/>
+          <a:chOff x="0" y="0"/>
+          <a:chExt cx="0" cy="0"/>
+        </a:xfrm>
+      </p:grpSpPr>
+      <p:sp>
+        <p:nvSpPr>
+          <p:cNvPr id="2" name="Título 1"/>
+          <p:cNvSpPr>
+            <a:spLocks noGrp="1"/>
+          </p:cNvSpPr>
+          <p:nvPr>
+            <p:ph type="title"/>
+          </p:nvPr>
+        </p:nvSpPr>
+        <p:spPr/>
+        <p:txBody>
+          <a:bodyPr/>
+          <a:lstStyle/>
+          <a:p>
+            <a:r>
+              <a:rPr lang="pt-BR" b="1" dirty="0" smtClean="0"/>
+              <a:t>LINKS</a:t>
+            </a:r>
+            <a:endParaRPr lang="pt-BR" b="1" dirty="0"/>
+          </a:p>
+        </p:txBody>
+      </p:sp>
+      <p:sp>
+        <p:nvSpPr>
+          <p:cNvPr id="10" name="AutoShape 18" descr="https://web.whatsapp.com/pp?e=https%3A%2F%2Fpps.whatsapp.net%2Fv%2Ft61.24694-24%2F124667010_274892987306679_1961216658549594338_n.jpg%3Foh%3Dd1025e5b560720c053424c1846241273%26oe%3D604B483E&amp;t=l&amp;u=5524992927610%40c.us&amp;i=1612384187&amp;n=8f%2FL51pdaKcyUJSLVQY4WSqbhzAz7zwwA635XsTcb30%3D"/>
+          <p:cNvSpPr>
+            <a:spLocks noChangeAspect="1" noChangeArrowheads="1"/>
+          </p:cNvSpPr>
+          <p:nvPr/>
+        </p:nvSpPr>
+        <p:spPr bwMode="auto">
+          <a:xfrm>
+            <a:off x="155575" y="-144463"/>
+            <a:ext cx="304800" cy="304801"/>
+          </a:xfrm>
+          <a:prstGeom prst="rect">
+            <a:avLst/>
+          </a:prstGeom>
+          <a:noFill/>
+          <a:extLst>
+            <a:ext uri="{909E8E84-426E-40DD-AFC4-6F175D3DCCD1}">
+              <a14:hiddenFill xmlns:a14="http://schemas.microsoft.com/office/drawing/2010/main">
+                <a:solidFill>
+                  <a:srgbClr val="FFFFFF"/>
+                </a:solidFill>
+              </a14:hiddenFill>
+            </a:ext>
+          </a:extLst>
+        </p:spPr>
+        <p:txBody>
+          <a:bodyPr vert="horz" wrap="square" lIns="91440" tIns="45720" rIns="91440" bIns="45720" numCol="1" anchor="t" anchorCtr="0" compatLnSpc="1">
+            <a:prstTxWarp prst="textNoShape">
+              <a:avLst/>
+            </a:prstTxWarp>
+          </a:bodyPr>
+          <a:lstStyle/>
+          <a:p>
+            <a:endParaRPr lang="pt-BR"/>
+          </a:p>
+        </p:txBody>
+      </p:sp>
+      <p:sp>
+        <p:nvSpPr>
+          <p:cNvPr id="16" name="CaixaDeTexto 15"/>
+          <p:cNvSpPr txBox="1"/>
+          <p:nvPr/>
+        </p:nvSpPr>
+        <p:spPr>
+          <a:xfrm>
+            <a:off x="1371598" y="2176220"/>
+            <a:ext cx="9601201" cy="1015663"/>
+          </a:xfrm>
+          <a:prstGeom prst="rect">
+            <a:avLst/>
+          </a:prstGeom>
+          <a:noFill/>
+        </p:spPr>
+        <p:txBody>
+          <a:bodyPr wrap="square" rtlCol="0">
+            <a:spAutoFit/>
+          </a:bodyPr>
+          <a:lstStyle/>
+          <a:p>
+            <a:r>
+              <a:rPr lang="pt-BR" b="1" dirty="0" smtClean="0"/>
+              <a:t>REPOSITÓRIO PROJETO JAVA</a:t>
+            </a:r>
+            <a:endParaRPr lang="pt-BR" sz="1400" b="1" dirty="0" smtClean="0"/>
+          </a:p>
+          <a:p>
+            <a:r>
+              <a:rPr lang="pt-BR" sz="1400" b="1" dirty="0" smtClean="0"/>
+              <a:t>Interface </a:t>
+            </a:r>
+            <a:r>
+              <a:rPr lang="pt-BR" sz="1400" b="1" dirty="0"/>
+              <a:t>- https://github.com/grenoldi/turing-students</a:t>
+            </a:r>
+            <a:endParaRPr lang="pt-BR" sz="1400" b="1" dirty="0"/>
+          </a:p>
+          <a:p>
+            <a:r>
+              <a:rPr lang="pt-BR" sz="1400" b="1" dirty="0" smtClean="0"/>
+              <a:t>Back - https</a:t>
+            </a:r>
+            <a:r>
+              <a:rPr lang="pt-BR" sz="1400" b="1" dirty="0"/>
+              <a:t>://</a:t>
+            </a:r>
+            <a:r>
+              <a:rPr lang="pt-BR" sz="1400" b="1" dirty="0" smtClean="0"/>
+              <a:t>github.com/Jeffrs123/TURING-Projeto-Java-Accenture</a:t>
+            </a:r>
+            <a:endParaRPr lang="pt-BR" sz="1400" b="1" dirty="0"/>
+          </a:p>
+          <a:p>
+            <a:endParaRPr lang="pt-BR" sz="1400" b="1" dirty="0"/>
+          </a:p>
+        </p:txBody>
+      </p:sp>
+      <p:sp>
+        <p:nvSpPr>
+          <p:cNvPr id="11" name="CaixaDeTexto 10"/>
+          <p:cNvSpPr txBox="1"/>
+          <p:nvPr/>
+        </p:nvSpPr>
+        <p:spPr>
+          <a:xfrm>
+            <a:off x="1380307" y="3191883"/>
+            <a:ext cx="9601201" cy="800219"/>
+          </a:xfrm>
+          <a:prstGeom prst="rect">
+            <a:avLst/>
+          </a:prstGeom>
+          <a:noFill/>
+        </p:spPr>
+        <p:txBody>
+          <a:bodyPr wrap="square" rtlCol="0">
+            <a:spAutoFit/>
+          </a:bodyPr>
+          <a:lstStyle/>
+          <a:p>
+            <a:r>
+              <a:rPr lang="pt-BR" b="1" dirty="0" smtClean="0"/>
+              <a:t>REPOSITÓRIO PROJETO NODE</a:t>
+            </a:r>
+          </a:p>
+          <a:p>
+            <a:r>
+              <a:rPr lang="pt-BR" sz="1400" b="1" dirty="0"/>
+              <a:t>https://github.com/Jeffrs123/academy.gama.node</a:t>
+            </a:r>
+            <a:endParaRPr lang="pt-BR" sz="1400" b="1" dirty="0"/>
+          </a:p>
+          <a:p>
+            <a:endParaRPr lang="pt-BR" sz="1400" b="1" dirty="0"/>
+          </a:p>
+        </p:txBody>
+      </p:sp>
+      <p:sp>
+        <p:nvSpPr>
+          <p:cNvPr id="15" name="CaixaDeTexto 14"/>
+          <p:cNvSpPr txBox="1"/>
+          <p:nvPr/>
+        </p:nvSpPr>
+        <p:spPr>
+          <a:xfrm>
+            <a:off x="1371598" y="4207546"/>
+            <a:ext cx="9601201" cy="800219"/>
+          </a:xfrm>
+          <a:prstGeom prst="rect">
+            <a:avLst/>
+          </a:prstGeom>
+          <a:noFill/>
+        </p:spPr>
+        <p:txBody>
+          <a:bodyPr wrap="square" rtlCol="0">
+            <a:spAutoFit/>
+          </a:bodyPr>
+          <a:lstStyle/>
+          <a:p>
+            <a:r>
+              <a:rPr lang="pt-BR" b="1" dirty="0" smtClean="0"/>
+              <a:t>APRESENTAÇÃO PPT</a:t>
+            </a:r>
+          </a:p>
+          <a:p>
+            <a:r>
+              <a:rPr lang="pt-BR" sz="1400" b="1" dirty="0"/>
+              <a:t>https://github.com/Jeffrs123/academy.gama.node/blob/main/TURING_APRESENTACAO.pptx?raw=true</a:t>
+            </a:r>
+            <a:endParaRPr lang="pt-BR" sz="1400" b="1" dirty="0"/>
+          </a:p>
+          <a:p>
+            <a:endParaRPr lang="pt-BR" sz="1400" b="1" dirty="0"/>
+          </a:p>
+        </p:txBody>
+      </p:sp>
+      <p:sp>
+        <p:nvSpPr>
+          <p:cNvPr id="18" name="CaixaDeTexto 17"/>
+          <p:cNvSpPr txBox="1"/>
+          <p:nvPr/>
+        </p:nvSpPr>
+        <p:spPr>
+          <a:xfrm>
+            <a:off x="1380307" y="5007765"/>
+            <a:ext cx="9601201" cy="1015663"/>
+          </a:xfrm>
+          <a:prstGeom prst="rect">
+            <a:avLst/>
+          </a:prstGeom>
+          <a:noFill/>
+        </p:spPr>
+        <p:txBody>
+          <a:bodyPr wrap="square" rtlCol="0">
+            <a:spAutoFit/>
+          </a:bodyPr>
+          <a:lstStyle/>
+          <a:p>
+            <a:r>
+              <a:rPr lang="pt-BR" b="1" dirty="0" smtClean="0"/>
+              <a:t>TRELLO</a:t>
+            </a:r>
+          </a:p>
+          <a:p>
+            <a:r>
+              <a:rPr lang="pt-BR" sz="1400" b="1" dirty="0"/>
+              <a:t>https://</a:t>
+            </a:r>
+            <a:r>
+              <a:rPr lang="pt-BR" sz="1400" b="1" dirty="0" smtClean="0"/>
+              <a:t>trello.com/b/eorXF95c/projeto-java</a:t>
+            </a:r>
+          </a:p>
+          <a:p>
+            <a:r>
+              <a:rPr lang="pt-BR" sz="1400" b="1" dirty="0"/>
+              <a:t>https://trello.com/b/udIBr5Zq/projeto-nodejs-mongo</a:t>
+            </a:r>
+          </a:p>
+          <a:p>
+            <a:endParaRPr lang="pt-BR" sz="1400" b="1" dirty="0"/>
+          </a:p>
+        </p:txBody>
+      </p:sp>
+    </p:spTree>
+    <p:extLst>
+      <p:ext uri="{BB962C8B-B14F-4D97-AF65-F5344CB8AC3E}">
+        <p14:creationId xmlns:p14="http://schemas.microsoft.com/office/powerpoint/2010/main" val="2025140957"/>
       </p:ext>
     </p:extLst>
   </p:cSld>
@@ -6000,81 +6391,85 @@
           <a:chExt cx="0" cy="0"/>
         </a:xfrm>
       </p:grpSpPr>
+      <p:sp>
+        <p:nvSpPr>
+          <p:cNvPr id="2" name="Título 1"/>
+          <p:cNvSpPr>
+            <a:spLocks noGrp="1"/>
+          </p:cNvSpPr>
+          <p:nvPr>
+            <p:ph type="title"/>
+          </p:nvPr>
+        </p:nvSpPr>
+        <p:spPr/>
+        <p:txBody>
+          <a:bodyPr/>
+          <a:lstStyle/>
+          <a:p>
+            <a:r>
+              <a:rPr lang="pt-BR" dirty="0" smtClean="0"/>
+              <a:t>ESTRUTURA PROJETO JAVA</a:t>
+            </a:r>
+            <a:endParaRPr lang="pt-BR" dirty="0"/>
+          </a:p>
+        </p:txBody>
+      </p:sp>
       <p:pic>
         <p:nvPicPr>
-          <p:cNvPr id="4" name="Espaço Reservado para Conteúdo 3"/>
+          <p:cNvPr id="5" name="Imagem 4"/>
           <p:cNvPicPr>
-            <a:picLocks noGrp="1" noChangeAspect="1"/>
+            <a:picLocks noChangeAspect="1"/>
           </p:cNvPicPr>
-          <p:nvPr>
-            <p:ph idx="1"/>
-          </p:nvPr>
+          <p:nvPr/>
         </p:nvPicPr>
-        <p:blipFill>
-          <a:blip r:embed="rId2">
-            <a:extLst>
-              <a:ext uri="{28A0092B-C50C-407E-A947-70E740481C1C}">
-                <a14:useLocalDpi xmlns:a14="http://schemas.microsoft.com/office/drawing/2010/main" val="0"/>
-              </a:ext>
-            </a:extLst>
-          </a:blip>
-          <a:stretch>
-            <a:fillRect/>
-          </a:stretch>
+        <p:blipFill rotWithShape="1">
+          <a:blip r:embed="rId2"/>
+          <a:srcRect l="40592" t="27548" r="18648" b="13492"/>
+          <a:stretch/>
         </p:blipFill>
         <p:spPr>
           <a:xfrm>
-            <a:off x="1371600" y="774065"/>
-            <a:ext cx="9601200" cy="5400675"/>
-          </a:xfrm>
+            <a:off x="6377650" y="2128490"/>
+            <a:ext cx="4595150" cy="3738910"/>
+          </a:xfrm>
+          <a:prstGeom prst="rect">
+            <a:avLst/>
+          </a:prstGeom>
         </p:spPr>
       </p:pic>
-      <p:sp>
-        <p:nvSpPr>
-          <p:cNvPr id="2" name="Título 1"/>
-          <p:cNvSpPr>
-            <a:spLocks noGrp="1"/>
-          </p:cNvSpPr>
-          <p:nvPr>
-            <p:ph type="title"/>
-          </p:nvPr>
-        </p:nvSpPr>
-        <p:spPr>
-          <a:xfrm>
-            <a:off x="1371600" y="799014"/>
-            <a:ext cx="9601200" cy="724989"/>
-          </a:xfrm>
-        </p:spPr>
-        <p:txBody>
-          <a:bodyPr/>
-          <a:lstStyle/>
-          <a:p>
-            <a:pPr algn="ctr"/>
-            <a:r>
-              <a:rPr lang="pt-BR" b="1" dirty="0" smtClean="0"/>
-              <a:t>FLUXO DE DADOS</a:t>
-            </a:r>
-            <a:endParaRPr lang="pt-BR" b="1" dirty="0"/>
-          </a:p>
-        </p:txBody>
-      </p:sp>
+      <p:pic>
+        <p:nvPicPr>
+          <p:cNvPr id="7" name="Imagem 6"/>
+          <p:cNvPicPr>
+            <a:picLocks noChangeAspect="1"/>
+          </p:cNvPicPr>
+          <p:nvPr/>
+        </p:nvPicPr>
+        <p:blipFill rotWithShape="1">
+          <a:blip r:embed="rId3"/>
+          <a:srcRect t="23185" r="78080" b="19037"/>
+          <a:stretch/>
+        </p:blipFill>
+        <p:spPr>
+          <a:xfrm>
+            <a:off x="1371601" y="1737360"/>
+            <a:ext cx="2785532" cy="4130040"/>
+          </a:xfrm>
+          <a:prstGeom prst="rect">
+            <a:avLst/>
+          </a:prstGeom>
+        </p:spPr>
+      </p:pic>
     </p:spTree>
     <p:extLst>
       <p:ext uri="{BB962C8B-B14F-4D97-AF65-F5344CB8AC3E}">
-        <p14:creationId xmlns:p14="http://schemas.microsoft.com/office/powerpoint/2010/main" val="3372026258"/>
+        <p14:creationId xmlns:p14="http://schemas.microsoft.com/office/powerpoint/2010/main" val="1900757776"/>
       </p:ext>
     </p:extLst>
   </p:cSld>
   <p:clrMapOvr>
     <a:masterClrMapping/>
   </p:clrMapOvr>
-  <p:timing>
-    <p:tnLst>
-      <p:par>
-        <p:cTn id="1" dur="indefinite" restart="never" nodeType="tmRoot"/>
-      </p:par>
-    </p:tnLst>
-  </p:timing>
 </p:sld>
 </file>
 
@@ -6095,36 +6490,15 @@
           <a:chExt cx="0" cy="0"/>
         </a:xfrm>
       </p:grpSpPr>
-      <p:sp>
-        <p:nvSpPr>
-          <p:cNvPr id="2" name="Título 1"/>
-          <p:cNvSpPr>
-            <a:spLocks noGrp="1"/>
-          </p:cNvSpPr>
-          <p:nvPr>
-            <p:ph type="title"/>
-          </p:nvPr>
-        </p:nvSpPr>
-        <p:spPr/>
-        <p:txBody>
-          <a:bodyPr/>
-          <a:lstStyle/>
-          <a:p>
-            <a:r>
-              <a:rPr lang="pt-BR" b="1" dirty="0" smtClean="0"/>
-              <a:t>PROJETO NODE</a:t>
-            </a:r>
-            <a:endParaRPr lang="pt-BR" b="1" dirty="0"/>
-          </a:p>
-        </p:txBody>
-      </p:sp>
       <p:pic>
         <p:nvPicPr>
-          <p:cNvPr id="14" name="Imagem 13"/>
+          <p:cNvPr id="4" name="Espaço Reservado para Conteúdo 3"/>
           <p:cNvPicPr>
-            <a:picLocks noChangeAspect="1"/>
+            <a:picLocks noGrp="1" noChangeAspect="1"/>
           </p:cNvPicPr>
-          <p:nvPr/>
+          <p:nvPr>
+            <p:ph idx="1"/>
+          </p:nvPr>
         </p:nvPicPr>
         <p:blipFill>
           <a:blip r:embed="rId2">
@@ -6140,18 +6514,44 @@
         </p:blipFill>
         <p:spPr>
           <a:xfrm>
-            <a:off x="1741606" y="2694127"/>
-            <a:ext cx="9231194" cy="3480613"/>
-          </a:xfrm>
-          <a:prstGeom prst="rect">
-            <a:avLst/>
-          </a:prstGeom>
+            <a:off x="1371600" y="774065"/>
+            <a:ext cx="9601200" cy="5400675"/>
+          </a:xfrm>
         </p:spPr>
       </p:pic>
+      <p:sp>
+        <p:nvSpPr>
+          <p:cNvPr id="2" name="Título 1"/>
+          <p:cNvSpPr>
+            <a:spLocks noGrp="1"/>
+          </p:cNvSpPr>
+          <p:nvPr>
+            <p:ph type="title"/>
+          </p:nvPr>
+        </p:nvSpPr>
+        <p:spPr>
+          <a:xfrm>
+            <a:off x="1371600" y="799014"/>
+            <a:ext cx="9601200" cy="724989"/>
+          </a:xfrm>
+        </p:spPr>
+        <p:txBody>
+          <a:bodyPr/>
+          <a:lstStyle/>
+          <a:p>
+            <a:pPr algn="ctr"/>
+            <a:r>
+              <a:rPr lang="pt-BR" b="1" dirty="0" smtClean="0"/>
+              <a:t>FLUXO DE DADOS</a:t>
+            </a:r>
+            <a:endParaRPr lang="pt-BR" b="1" dirty="0"/>
+          </a:p>
+        </p:txBody>
+      </p:sp>
     </p:spTree>
     <p:extLst>
       <p:ext uri="{BB962C8B-B14F-4D97-AF65-F5344CB8AC3E}">
-        <p14:creationId xmlns:p14="http://schemas.microsoft.com/office/powerpoint/2010/main" val="2231189063"/>
+        <p14:creationId xmlns:p14="http://schemas.microsoft.com/office/powerpoint/2010/main" val="3372026258"/>
       </p:ext>
     </p:extLst>
   </p:cSld>
@@ -6200,33 +6600,48 @@
           <a:bodyPr/>
           <a:lstStyle/>
           <a:p>
-            <a:endParaRPr lang="pt-BR"/>
-          </a:p>
-        </p:txBody>
-      </p:sp>
-      <p:sp>
-        <p:nvSpPr>
-          <p:cNvPr id="3" name="Espaço Reservado para Conteúdo 2"/>
-          <p:cNvSpPr>
-            <a:spLocks noGrp="1"/>
-          </p:cNvSpPr>
-          <p:nvPr>
-            <p:ph idx="1"/>
-          </p:nvPr>
-        </p:nvSpPr>
-        <p:spPr/>
-        <p:txBody>
-          <a:bodyPr/>
-          <a:lstStyle/>
-          <a:p>
-            <a:endParaRPr lang="pt-BR"/>
-          </a:p>
-        </p:txBody>
-      </p:sp>
+            <a:r>
+              <a:rPr lang="pt-BR" b="1" dirty="0" smtClean="0"/>
+              <a:t>PROJETO NODE</a:t>
+            </a:r>
+            <a:endParaRPr lang="pt-BR" b="1" dirty="0"/>
+          </a:p>
+        </p:txBody>
+      </p:sp>
+      <p:pic>
+        <p:nvPicPr>
+          <p:cNvPr id="14" name="Imagem 13"/>
+          <p:cNvPicPr>
+            <a:picLocks noChangeAspect="1"/>
+          </p:cNvPicPr>
+          <p:nvPr/>
+        </p:nvPicPr>
+        <p:blipFill>
+          <a:blip r:embed="rId2">
+            <a:extLst>
+              <a:ext uri="{28A0092B-C50C-407E-A947-70E740481C1C}">
+                <a14:useLocalDpi xmlns:a14="http://schemas.microsoft.com/office/drawing/2010/main" val="0"/>
+              </a:ext>
+            </a:extLst>
+          </a:blip>
+          <a:stretch>
+            <a:fillRect/>
+          </a:stretch>
+        </p:blipFill>
+        <p:spPr>
+          <a:xfrm>
+            <a:off x="1741606" y="2694127"/>
+            <a:ext cx="9231194" cy="3480613"/>
+          </a:xfrm>
+          <a:prstGeom prst="rect">
+            <a:avLst/>
+          </a:prstGeom>
+        </p:spPr>
+      </p:pic>
     </p:spTree>
     <p:extLst>
       <p:ext uri="{BB962C8B-B14F-4D97-AF65-F5344CB8AC3E}">
-        <p14:creationId xmlns:p14="http://schemas.microsoft.com/office/powerpoint/2010/main" val="3839719402"/>
+        <p14:creationId xmlns:p14="http://schemas.microsoft.com/office/powerpoint/2010/main" val="2231189063"/>
       </p:ext>
     </p:extLst>
   </p:cSld>
@@ -6276,67 +6691,30 @@
           <a:lstStyle/>
           <a:p>
             <a:r>
-              <a:rPr lang="pt-BR" b="1" dirty="0" smtClean="0"/>
-              <a:t>PROJETO INTEGRADO</a:t>
-            </a:r>
-            <a:endParaRPr lang="pt-BR" b="1" dirty="0"/>
+              <a:rPr lang="pt-BR" dirty="0" smtClean="0"/>
+              <a:t>ARQUITETURA</a:t>
+            </a:r>
+            <a:endParaRPr lang="pt-BR" dirty="0"/>
           </a:p>
         </p:txBody>
       </p:sp>
       <p:pic>
         <p:nvPicPr>
-          <p:cNvPr id="13" name="Imagem 12"/>
+          <p:cNvPr id="4" name="Imagem 3"/>
           <p:cNvPicPr>
             <a:picLocks noChangeAspect="1"/>
           </p:cNvPicPr>
           <p:nvPr/>
         </p:nvPicPr>
-        <p:blipFill>
-          <a:blip r:embed="rId2">
-            <a:extLst>
-              <a:ext uri="{28A0092B-C50C-407E-A947-70E740481C1C}">
-                <a14:useLocalDpi xmlns:a14="http://schemas.microsoft.com/office/drawing/2010/main" val="0"/>
-              </a:ext>
-            </a:extLst>
-          </a:blip>
-          <a:stretch>
-            <a:fillRect/>
-          </a:stretch>
+        <p:blipFill rotWithShape="1">
+          <a:blip r:embed="rId2"/>
+          <a:srcRect l="291" t="13212" r="74631" b="13433"/>
+          <a:stretch/>
         </p:blipFill>
         <p:spPr>
           <a:xfrm>
-            <a:off x="1371600" y="2171700"/>
-            <a:ext cx="4081780" cy="2285797"/>
-          </a:xfrm>
-          <a:prstGeom prst="rect">
-            <a:avLst/>
-          </a:prstGeom>
-        </p:spPr>
-      </p:pic>
-      <p:pic>
-        <p:nvPicPr>
-          <p:cNvPr id="14" name="Imagem 13"/>
-          <p:cNvPicPr>
-            <a:picLocks noChangeAspect="1"/>
-          </p:cNvPicPr>
-          <p:nvPr/>
-        </p:nvPicPr>
-        <p:blipFill>
-          <a:blip r:embed="rId3">
-            <a:extLst>
-              <a:ext uri="{28A0092B-C50C-407E-A947-70E740481C1C}">
-                <a14:useLocalDpi xmlns:a14="http://schemas.microsoft.com/office/drawing/2010/main" val="0"/>
-              </a:ext>
-            </a:extLst>
-          </a:blip>
-          <a:stretch>
-            <a:fillRect/>
-          </a:stretch>
-        </p:blipFill>
-        <p:spPr>
-          <a:xfrm>
-            <a:off x="6156960" y="2406694"/>
-            <a:ext cx="4815840" cy="1815808"/>
+            <a:off x="7833360" y="701989"/>
+            <a:ext cx="3139440" cy="5165411"/>
           </a:xfrm>
           <a:prstGeom prst="rect">
             <a:avLst/>
@@ -6346,7 +6724,7 @@
     </p:spTree>
     <p:extLst>
       <p:ext uri="{BB962C8B-B14F-4D97-AF65-F5344CB8AC3E}">
-        <p14:creationId xmlns:p14="http://schemas.microsoft.com/office/powerpoint/2010/main" val="4122009148"/>
+        <p14:creationId xmlns:p14="http://schemas.microsoft.com/office/powerpoint/2010/main" val="3839719402"/>
       </p:ext>
     </p:extLst>
   </p:cSld>
